--- a/Class Slides 2024/Class 12.pptx
+++ b/Class Slides 2024/Class 12.pptx
@@ -5,7 +5,7 @@
     <p:sldMasterId id="2147483648" r:id="rId1"/>
   </p:sldMasterIdLst>
   <p:notesMasterIdLst>
-    <p:notesMasterId r:id="rId31"/>
+    <p:notesMasterId r:id="rId26"/>
   </p:notesMasterIdLst>
   <p:sldIdLst>
     <p:sldId id="256" r:id="rId2"/>
@@ -29,14 +29,9 @@
     <p:sldId id="296" r:id="rId20"/>
     <p:sldId id="298" r:id="rId21"/>
     <p:sldId id="297" r:id="rId22"/>
-    <p:sldId id="260" r:id="rId23"/>
-    <p:sldId id="264" r:id="rId24"/>
-    <p:sldId id="265" r:id="rId25"/>
-    <p:sldId id="299" r:id="rId26"/>
-    <p:sldId id="300" r:id="rId27"/>
-    <p:sldId id="361" r:id="rId28"/>
-    <p:sldId id="362" r:id="rId29"/>
-    <p:sldId id="363" r:id="rId30"/>
+    <p:sldId id="264" r:id="rId23"/>
+    <p:sldId id="265" r:id="rId24"/>
+    <p:sldId id="260" r:id="rId25"/>
   </p:sldIdLst>
   <p:sldSz cx="12192000" cy="6858000"/>
   <p:notesSz cx="7102475" cy="9388475"/>
@@ -12157,7 +12152,7 @@
           <a:p>
             <a:fld id="{591DC631-3D3D-49F1-A432-84A63795B8D6}" type="datetimeFigureOut">
               <a:rPr lang="en-US" smtClean="0"/>
-              <a:t>1/26/2024</a:t>
+              <a:t>1/30/2024</a:t>
             </a:fld>
             <a:endParaRPr lang="en-US"/>
           </a:p>
@@ -12461,7 +12456,7 @@
             <a:fld id="{3E400DAB-D642-4450-9FB8-7E8059C75B16}" type="slidenum">
               <a:rPr lang="en-US" smtClean="0"/>
               <a:pPr/>
-              <a:t>23</a:t>
+              <a:t>22</a:t>
             </a:fld>
             <a:endParaRPr lang="en-US"/>
           </a:p>
@@ -12507,7 +12502,7 @@
     </p:spTree>
     <p:extLst>
       <p:ext uri="{BB962C8B-B14F-4D97-AF65-F5344CB8AC3E}">
-        <p14:creationId xmlns:p14="http://schemas.microsoft.com/office/powerpoint/2010/main" val="1039381836"/>
+        <p14:creationId xmlns:p14="http://schemas.microsoft.com/office/powerpoint/2010/main" val="422806644"/>
       </p:ext>
     </p:extLst>
   </p:cSld>
@@ -12554,7 +12549,7 @@
             <a:fld id="{ED835882-5389-4FD0-8253-4B5D9C1C44F0}" type="slidenum">
               <a:rPr lang="en-US" smtClean="0"/>
               <a:pPr/>
-              <a:t>24</a:t>
+              <a:t>23</a:t>
             </a:fld>
             <a:endParaRPr lang="en-US"/>
           </a:p>
@@ -12600,271 +12595,7 @@
     </p:spTree>
     <p:extLst>
       <p:ext uri="{BB962C8B-B14F-4D97-AF65-F5344CB8AC3E}">
-        <p14:creationId xmlns:p14="http://schemas.microsoft.com/office/powerpoint/2010/main" val="2882900499"/>
-      </p:ext>
-    </p:extLst>
-  </p:cSld>
-  <p:clrMapOvr>
-    <a:masterClrMapping/>
-  </p:clrMapOvr>
-</p:notes>
-</file>
-
-<file path=ppt/notesSlides/notesSlide3.xml><?xml version="1.0" encoding="utf-8"?>
-<p:notes xmlns:a="http://schemas.openxmlformats.org/drawingml/2006/main" xmlns:r="http://schemas.openxmlformats.org/officeDocument/2006/relationships" xmlns:p="http://schemas.openxmlformats.org/presentationml/2006/main">
-  <p:cSld>
-    <p:spTree>
-      <p:nvGrpSpPr>
-        <p:cNvPr id="1" name=""/>
-        <p:cNvGrpSpPr/>
-        <p:nvPr/>
-      </p:nvGrpSpPr>
-      <p:grpSpPr>
-        <a:xfrm>
-          <a:off x="0" y="0"/>
-          <a:ext cx="0" cy="0"/>
-          <a:chOff x="0" y="0"/>
-          <a:chExt cx="0" cy="0"/>
-        </a:xfrm>
-      </p:grpSpPr>
-      <p:sp>
-        <p:nvSpPr>
-          <p:cNvPr id="16386" name="Rectangle 7"/>
-          <p:cNvSpPr>
-            <a:spLocks noGrp="1" noChangeArrowheads="1"/>
-          </p:cNvSpPr>
-          <p:nvPr>
-            <p:ph type="sldNum" sz="quarter" idx="5"/>
-          </p:nvPr>
-        </p:nvSpPr>
-        <p:spPr bwMode="auto">
-          <a:noFill/>
-          <a:ln>
-            <a:miter lim="800000"/>
-            <a:headEnd/>
-            <a:tailEnd/>
-          </a:ln>
-        </p:spPr>
-        <p:txBody>
-          <a:bodyPr wrap="square" numCol="1" anchorCtr="0" compatLnSpc="1">
-            <a:prstTxWarp prst="textNoShape">
-              <a:avLst/>
-            </a:prstTxWarp>
-          </a:bodyPr>
-          <a:lstStyle/>
-          <a:p>
-            <a:pPr fontAlgn="base">
-              <a:spcBef>
-                <a:spcPct val="0"/>
-              </a:spcBef>
-              <a:spcAft>
-                <a:spcPct val="0"/>
-              </a:spcAft>
-            </a:pPr>
-            <a:fld id="{2C154D0B-DC44-4C1E-97E0-B1CAE7CC5A07}" type="slidenum">
-              <a:rPr lang="en-US"/>
-              <a:pPr fontAlgn="base">
-                <a:spcBef>
-                  <a:spcPct val="0"/>
-                </a:spcBef>
-                <a:spcAft>
-                  <a:spcPct val="0"/>
-                </a:spcAft>
-              </a:pPr>
-              <a:t>25</a:t>
-            </a:fld>
-            <a:endParaRPr lang="en-US"/>
-          </a:p>
-        </p:txBody>
-      </p:sp>
-      <p:sp>
-        <p:nvSpPr>
-          <p:cNvPr id="16387" name="Rectangle 2"/>
-          <p:cNvSpPr>
-            <a:spLocks noGrp="1" noRot="1" noChangeAspect="1" noChangeArrowheads="1" noTextEdit="1"/>
-          </p:cNvSpPr>
-          <p:nvPr>
-            <p:ph type="sldImg"/>
-          </p:nvPr>
-        </p:nvSpPr>
-        <p:spPr bwMode="auto">
-          <a:noFill/>
-          <a:ln>
-            <a:solidFill>
-              <a:srgbClr val="000000"/>
-            </a:solidFill>
-            <a:miter lim="800000"/>
-            <a:headEnd/>
-            <a:tailEnd/>
-          </a:ln>
-        </p:spPr>
-      </p:sp>
-      <p:sp>
-        <p:nvSpPr>
-          <p:cNvPr id="16388" name="Rectangle 3"/>
-          <p:cNvSpPr>
-            <a:spLocks noGrp="1" noChangeArrowheads="1"/>
-          </p:cNvSpPr>
-          <p:nvPr>
-            <p:ph type="body" idx="1"/>
-          </p:nvPr>
-        </p:nvSpPr>
-        <p:spPr bwMode="auto">
-          <a:noFill/>
-        </p:spPr>
-        <p:txBody>
-          <a:bodyPr wrap="square" numCol="1" anchor="t" anchorCtr="0" compatLnSpc="1">
-            <a:prstTxWarp prst="textNoShape">
-              <a:avLst/>
-            </a:prstTxWarp>
-          </a:bodyPr>
-          <a:lstStyle/>
-          <a:p>
-            <a:pPr>
-              <a:spcBef>
-                <a:spcPct val="0"/>
-              </a:spcBef>
-            </a:pPr>
-            <a:endParaRPr lang="en-US"/>
-          </a:p>
-        </p:txBody>
-      </p:sp>
-    </p:spTree>
-    <p:extLst>
-      <p:ext uri="{BB962C8B-B14F-4D97-AF65-F5344CB8AC3E}">
-        <p14:creationId xmlns:p14="http://schemas.microsoft.com/office/powerpoint/2010/main" val="4023999607"/>
-      </p:ext>
-    </p:extLst>
-  </p:cSld>
-  <p:clrMapOvr>
-    <a:masterClrMapping/>
-  </p:clrMapOvr>
-</p:notes>
-</file>
-
-<file path=ppt/notesSlides/notesSlide4.xml><?xml version="1.0" encoding="utf-8"?>
-<p:notes xmlns:a="http://schemas.openxmlformats.org/drawingml/2006/main" xmlns:r="http://schemas.openxmlformats.org/officeDocument/2006/relationships" xmlns:p="http://schemas.openxmlformats.org/presentationml/2006/main">
-  <p:cSld>
-    <p:spTree>
-      <p:nvGrpSpPr>
-        <p:cNvPr id="1" name=""/>
-        <p:cNvGrpSpPr/>
-        <p:nvPr/>
-      </p:nvGrpSpPr>
-      <p:grpSpPr>
-        <a:xfrm>
-          <a:off x="0" y="0"/>
-          <a:ext cx="0" cy="0"/>
-          <a:chOff x="0" y="0"/>
-          <a:chExt cx="0" cy="0"/>
-        </a:xfrm>
-      </p:grpSpPr>
-      <p:sp>
-        <p:nvSpPr>
-          <p:cNvPr id="17410" name="Rectangle 7"/>
-          <p:cNvSpPr>
-            <a:spLocks noGrp="1" noChangeArrowheads="1"/>
-          </p:cNvSpPr>
-          <p:nvPr>
-            <p:ph type="sldNum" sz="quarter" idx="5"/>
-          </p:nvPr>
-        </p:nvSpPr>
-        <p:spPr bwMode="auto">
-          <a:noFill/>
-          <a:ln>
-            <a:miter lim="800000"/>
-            <a:headEnd/>
-            <a:tailEnd/>
-          </a:ln>
-        </p:spPr>
-        <p:txBody>
-          <a:bodyPr wrap="square" numCol="1" anchorCtr="0" compatLnSpc="1">
-            <a:prstTxWarp prst="textNoShape">
-              <a:avLst/>
-            </a:prstTxWarp>
-          </a:bodyPr>
-          <a:lstStyle/>
-          <a:p>
-            <a:pPr fontAlgn="base">
-              <a:spcBef>
-                <a:spcPct val="0"/>
-              </a:spcBef>
-              <a:spcAft>
-                <a:spcPct val="0"/>
-              </a:spcAft>
-            </a:pPr>
-            <a:fld id="{18C81E9C-B8A6-47B9-ACF0-E501EA7A4928}" type="slidenum">
-              <a:rPr lang="en-US"/>
-              <a:pPr fontAlgn="base">
-                <a:spcBef>
-                  <a:spcPct val="0"/>
-                </a:spcBef>
-                <a:spcAft>
-                  <a:spcPct val="0"/>
-                </a:spcAft>
-              </a:pPr>
-              <a:t>27</a:t>
-            </a:fld>
-            <a:endParaRPr lang="en-US"/>
-          </a:p>
-        </p:txBody>
-      </p:sp>
-      <p:sp>
-        <p:nvSpPr>
-          <p:cNvPr id="17411" name="Rectangle 2"/>
-          <p:cNvSpPr>
-            <a:spLocks noGrp="1" noRot="1" noChangeAspect="1" noChangeArrowheads="1" noTextEdit="1"/>
-          </p:cNvSpPr>
-          <p:nvPr>
-            <p:ph type="sldImg"/>
-          </p:nvPr>
-        </p:nvSpPr>
-        <p:spPr bwMode="auto">
-          <a:noFill/>
-          <a:ln>
-            <a:solidFill>
-              <a:srgbClr val="000000"/>
-            </a:solidFill>
-            <a:miter lim="800000"/>
-            <a:headEnd/>
-            <a:tailEnd/>
-          </a:ln>
-        </p:spPr>
-      </p:sp>
-      <p:sp>
-        <p:nvSpPr>
-          <p:cNvPr id="17412" name="Rectangle 3"/>
-          <p:cNvSpPr>
-            <a:spLocks noGrp="1" noChangeArrowheads="1"/>
-          </p:cNvSpPr>
-          <p:nvPr>
-            <p:ph type="body" idx="1"/>
-          </p:nvPr>
-        </p:nvSpPr>
-        <p:spPr bwMode="auto">
-          <a:noFill/>
-        </p:spPr>
-        <p:txBody>
-          <a:bodyPr wrap="square" numCol="1" anchor="t" anchorCtr="0" compatLnSpc="1">
-            <a:prstTxWarp prst="textNoShape">
-              <a:avLst/>
-            </a:prstTxWarp>
-          </a:bodyPr>
-          <a:lstStyle/>
-          <a:p>
-            <a:pPr>
-              <a:spcBef>
-                <a:spcPct val="0"/>
-              </a:spcBef>
-            </a:pPr>
-            <a:endParaRPr lang="en-US"/>
-          </a:p>
-        </p:txBody>
-      </p:sp>
-    </p:spTree>
-    <p:extLst>
-      <p:ext uri="{BB962C8B-B14F-4D97-AF65-F5344CB8AC3E}">
-        <p14:creationId xmlns:p14="http://schemas.microsoft.com/office/powerpoint/2010/main" val="1617158364"/>
+        <p14:creationId xmlns:p14="http://schemas.microsoft.com/office/powerpoint/2010/main" val="911337627"/>
       </p:ext>
     </p:extLst>
   </p:cSld>
@@ -13021,7 +12752,7 @@
           <a:p>
             <a:fld id="{8DA85D94-39CF-4B52-B4FA-541810832B41}" type="datetimeFigureOut">
               <a:rPr lang="en-US" smtClean="0"/>
-              <a:t>1/26/2024</a:t>
+              <a:t>1/30/2024</a:t>
             </a:fld>
             <a:endParaRPr lang="en-US"/>
           </a:p>
@@ -13219,7 +12950,7 @@
           <a:p>
             <a:fld id="{8DA85D94-39CF-4B52-B4FA-541810832B41}" type="datetimeFigureOut">
               <a:rPr lang="en-US" smtClean="0"/>
-              <a:t>1/26/2024</a:t>
+              <a:t>1/30/2024</a:t>
             </a:fld>
             <a:endParaRPr lang="en-US"/>
           </a:p>
@@ -13427,7 +13158,7 @@
           <a:p>
             <a:fld id="{8DA85D94-39CF-4B52-B4FA-541810832B41}" type="datetimeFigureOut">
               <a:rPr lang="en-US" smtClean="0"/>
-              <a:t>1/26/2024</a:t>
+              <a:t>1/30/2024</a:t>
             </a:fld>
             <a:endParaRPr lang="en-US"/>
           </a:p>
@@ -13625,7 +13356,7 @@
           <a:p>
             <a:fld id="{8DA85D94-39CF-4B52-B4FA-541810832B41}" type="datetimeFigureOut">
               <a:rPr lang="en-US" smtClean="0"/>
-              <a:t>1/26/2024</a:t>
+              <a:t>1/30/2024</a:t>
             </a:fld>
             <a:endParaRPr lang="en-US"/>
           </a:p>
@@ -13900,7 +13631,7 @@
           <a:p>
             <a:fld id="{8DA85D94-39CF-4B52-B4FA-541810832B41}" type="datetimeFigureOut">
               <a:rPr lang="en-US" smtClean="0"/>
-              <a:t>1/26/2024</a:t>
+              <a:t>1/30/2024</a:t>
             </a:fld>
             <a:endParaRPr lang="en-US"/>
           </a:p>
@@ -14165,7 +13896,7 @@
           <a:p>
             <a:fld id="{8DA85D94-39CF-4B52-B4FA-541810832B41}" type="datetimeFigureOut">
               <a:rPr lang="en-US" smtClean="0"/>
-              <a:t>1/26/2024</a:t>
+              <a:t>1/30/2024</a:t>
             </a:fld>
             <a:endParaRPr lang="en-US"/>
           </a:p>
@@ -14577,7 +14308,7 @@
           <a:p>
             <a:fld id="{8DA85D94-39CF-4B52-B4FA-541810832B41}" type="datetimeFigureOut">
               <a:rPr lang="en-US" smtClean="0"/>
-              <a:t>1/26/2024</a:t>
+              <a:t>1/30/2024</a:t>
             </a:fld>
             <a:endParaRPr lang="en-US"/>
           </a:p>
@@ -14718,7 +14449,7 @@
           <a:p>
             <a:fld id="{8DA85D94-39CF-4B52-B4FA-541810832B41}" type="datetimeFigureOut">
               <a:rPr lang="en-US" smtClean="0"/>
-              <a:t>1/26/2024</a:t>
+              <a:t>1/30/2024</a:t>
             </a:fld>
             <a:endParaRPr lang="en-US"/>
           </a:p>
@@ -14831,7 +14562,7 @@
           <a:p>
             <a:fld id="{8DA85D94-39CF-4B52-B4FA-541810832B41}" type="datetimeFigureOut">
               <a:rPr lang="en-US" smtClean="0"/>
-              <a:t>1/26/2024</a:t>
+              <a:t>1/30/2024</a:t>
             </a:fld>
             <a:endParaRPr lang="en-US"/>
           </a:p>
@@ -15142,7 +14873,7 @@
           <a:p>
             <a:fld id="{8DA85D94-39CF-4B52-B4FA-541810832B41}" type="datetimeFigureOut">
               <a:rPr lang="en-US" smtClean="0"/>
-              <a:t>1/26/2024</a:t>
+              <a:t>1/30/2024</a:t>
             </a:fld>
             <a:endParaRPr lang="en-US"/>
           </a:p>
@@ -15430,7 +15161,7 @@
           <a:p>
             <a:fld id="{8DA85D94-39CF-4B52-B4FA-541810832B41}" type="datetimeFigureOut">
               <a:rPr lang="en-US" smtClean="0"/>
-              <a:t>1/26/2024</a:t>
+              <a:t>1/30/2024</a:t>
             </a:fld>
             <a:endParaRPr lang="en-US"/>
           </a:p>
@@ -15671,7 +15402,7 @@
           <a:p>
             <a:fld id="{8DA85D94-39CF-4B52-B4FA-541810832B41}" type="datetimeFigureOut">
               <a:rPr lang="en-US" smtClean="0"/>
-              <a:t>1/26/2024</a:t>
+              <a:t>1/30/2024</a:t>
             </a:fld>
             <a:endParaRPr lang="en-US"/>
           </a:p>
@@ -21394,148 +21125,6 @@
       </p:grpSpPr>
       <p:sp>
         <p:nvSpPr>
-          <p:cNvPr id="2" name="Title 1">
-            <a:extLst>
-              <a:ext uri="{FF2B5EF4-FFF2-40B4-BE49-F238E27FC236}">
-                <a16:creationId xmlns:a16="http://schemas.microsoft.com/office/drawing/2014/main" id="{56BDAD76-78AD-7535-DFA5-CFE593C8F395}"/>
-              </a:ext>
-            </a:extLst>
-          </p:cNvPr>
-          <p:cNvSpPr>
-            <a:spLocks noGrp="1"/>
-          </p:cNvSpPr>
-          <p:nvPr>
-            <p:ph type="title"/>
-          </p:nvPr>
-        </p:nvSpPr>
-        <p:spPr/>
-        <p:txBody>
-          <a:bodyPr/>
-          <a:lstStyle/>
-          <a:p>
-            <a:r>
-              <a:rPr lang="en-US" dirty="0"/>
-              <a:t>For Fri Feb 2</a:t>
-            </a:r>
-          </a:p>
-        </p:txBody>
-      </p:sp>
-      <p:sp>
-        <p:nvSpPr>
-          <p:cNvPr id="3" name="Content Placeholder 2">
-            <a:extLst>
-              <a:ext uri="{FF2B5EF4-FFF2-40B4-BE49-F238E27FC236}">
-                <a16:creationId xmlns:a16="http://schemas.microsoft.com/office/drawing/2014/main" id="{B853FE10-86A7-690D-A838-FD2AF1979ED4}"/>
-              </a:ext>
-            </a:extLst>
-          </p:cNvPr>
-          <p:cNvSpPr>
-            <a:spLocks noGrp="1"/>
-          </p:cNvSpPr>
-          <p:nvPr>
-            <p:ph idx="1"/>
-          </p:nvPr>
-        </p:nvSpPr>
-        <p:spPr/>
-        <p:txBody>
-          <a:bodyPr>
-            <a:normAutofit/>
-          </a:bodyPr>
-          <a:lstStyle/>
-          <a:p>
-            <a:r>
-              <a:rPr lang="en-US" dirty="0"/>
-              <a:t>Chapter 11: External Validity, Sampling</a:t>
-            </a:r>
-          </a:p>
-          <a:p>
-            <a:pPr lvl="1"/>
-            <a:r>
-              <a:rPr lang="en-US" dirty="0"/>
-              <a:t>Short introduction to the general idea</a:t>
-            </a:r>
-          </a:p>
-          <a:p>
-            <a:pPr lvl="1"/>
-            <a:endParaRPr lang="en-US" dirty="0"/>
-          </a:p>
-          <a:p>
-            <a:r>
-              <a:rPr lang="en-US" dirty="0" err="1"/>
-              <a:t>Assefi</a:t>
-            </a:r>
-            <a:r>
-              <a:rPr lang="en-US" dirty="0"/>
-              <a:t> &amp; Garry (2003).  More 2x2 design practice.</a:t>
-            </a:r>
-          </a:p>
-          <a:p>
-            <a:endParaRPr lang="en-US" dirty="0"/>
-          </a:p>
-          <a:p>
-            <a:r>
-              <a:rPr lang="en-US" dirty="0"/>
-              <a:t>Collect data for Experiment 2</a:t>
-            </a:r>
-          </a:p>
-          <a:p>
-            <a:pPr lvl="1"/>
-            <a:r>
-              <a:rPr lang="en-US" dirty="0"/>
-              <a:t>Try to get 4 people to volunteer to try the study</a:t>
-            </a:r>
-          </a:p>
-          <a:p>
-            <a:pPr lvl="2"/>
-            <a:r>
-              <a:rPr lang="en-US" dirty="0"/>
-              <a:t>Submit completion codes if they provide them</a:t>
-            </a:r>
-          </a:p>
-          <a:p>
-            <a:pPr lvl="1"/>
-            <a:r>
-              <a:rPr lang="en-US" dirty="0"/>
-              <a:t>Deadline: Friday night? Sunday?</a:t>
-            </a:r>
-          </a:p>
-          <a:p>
-            <a:endParaRPr lang="en-US" dirty="0"/>
-          </a:p>
-        </p:txBody>
-      </p:sp>
-    </p:spTree>
-    <p:extLst>
-      <p:ext uri="{BB962C8B-B14F-4D97-AF65-F5344CB8AC3E}">
-        <p14:creationId xmlns:p14="http://schemas.microsoft.com/office/powerpoint/2010/main" val="3743662308"/>
-      </p:ext>
-    </p:extLst>
-  </p:cSld>
-  <p:clrMapOvr>
-    <a:masterClrMapping/>
-  </p:clrMapOvr>
-</p:sld>
-</file>
-
-<file path=ppt/slides/slide23.xml><?xml version="1.0" encoding="utf-8"?>
-<p:sld xmlns:a="http://schemas.openxmlformats.org/drawingml/2006/main" xmlns:r="http://schemas.openxmlformats.org/officeDocument/2006/relationships" xmlns:p="http://schemas.openxmlformats.org/presentationml/2006/main">
-  <p:cSld>
-    <p:spTree>
-      <p:nvGrpSpPr>
-        <p:cNvPr id="1" name=""/>
-        <p:cNvGrpSpPr/>
-        <p:nvPr/>
-      </p:nvGrpSpPr>
-      <p:grpSpPr>
-        <a:xfrm>
-          <a:off x="0" y="0"/>
-          <a:ext cx="0" cy="0"/>
-          <a:chOff x="0" y="0"/>
-          <a:chExt cx="0" cy="0"/>
-        </a:xfrm>
-      </p:grpSpPr>
-      <p:sp>
-        <p:nvSpPr>
           <p:cNvPr id="18434" name="Rectangle 2"/>
           <p:cNvSpPr>
             <a:spLocks noGrp="1" noChangeArrowheads="1"/>
@@ -21597,7 +21186,7 @@
     </p:spTree>
     <p:extLst>
       <p:ext uri="{BB962C8B-B14F-4D97-AF65-F5344CB8AC3E}">
-        <p14:creationId xmlns:p14="http://schemas.microsoft.com/office/powerpoint/2010/main" val="4265480127"/>
+        <p14:creationId xmlns:p14="http://schemas.microsoft.com/office/powerpoint/2010/main" val="313001261"/>
       </p:ext>
     </p:extLst>
   </p:cSld>
@@ -21607,7 +21196,7 @@
 </p:sld>
 </file>
 
-<file path=ppt/slides/slide24.xml><?xml version="1.0" encoding="utf-8"?>
+<file path=ppt/slides/slide23.xml><?xml version="1.0" encoding="utf-8"?>
 <p:sld xmlns:a="http://schemas.openxmlformats.org/drawingml/2006/main" xmlns:r="http://schemas.openxmlformats.org/officeDocument/2006/relationships" xmlns:p="http://schemas.openxmlformats.org/presentationml/2006/main">
   <p:cSld>
     <p:spTree>
@@ -22643,7 +22232,7 @@
     </p:spTree>
     <p:extLst>
       <p:ext uri="{BB962C8B-B14F-4D97-AF65-F5344CB8AC3E}">
-        <p14:creationId xmlns:p14="http://schemas.microsoft.com/office/powerpoint/2010/main" val="2496390289"/>
+        <p14:creationId xmlns:p14="http://schemas.microsoft.com/office/powerpoint/2010/main" val="2680412434"/>
       </p:ext>
     </p:extLst>
   </p:cSld>
@@ -22776,7 +22365,7 @@
 </p:sld>
 </file>
 
-<file path=ppt/slides/slide25.xml><?xml version="1.0" encoding="utf-8"?>
+<file path=ppt/slides/slide24.xml><?xml version="1.0" encoding="utf-8"?>
 <p:sld xmlns:a="http://schemas.openxmlformats.org/drawingml/2006/main" xmlns:r="http://schemas.openxmlformats.org/officeDocument/2006/relationships" xmlns:p="http://schemas.openxmlformats.org/presentationml/2006/main">
   <p:cSld>
     <p:spTree>
@@ -22795,9 +22384,15 @@
       </p:grpSpPr>
       <p:sp>
         <p:nvSpPr>
-          <p:cNvPr id="7170" name="Rectangle 2"/>
+          <p:cNvPr id="2" name="Title 1">
+            <a:extLst>
+              <a:ext uri="{FF2B5EF4-FFF2-40B4-BE49-F238E27FC236}">
+                <a16:creationId xmlns:a16="http://schemas.microsoft.com/office/drawing/2014/main" id="{56BDAD76-78AD-7535-DFA5-CFE593C8F395}"/>
+              </a:ext>
+            </a:extLst>
+          </p:cNvPr>
           <p:cNvSpPr>
-            <a:spLocks noGrp="1" noChangeArrowheads="1"/>
+            <a:spLocks noGrp="1"/>
           </p:cNvSpPr>
           <p:nvPr>
             <p:ph type="title"/>
@@ -22809,1592 +22404,100 @@
           <a:lstStyle/>
           <a:p>
             <a:r>
-              <a:rPr lang="en-US"/>
-              <a:t>Absolut Memory Distortions</a:t>
+              <a:rPr lang="en-US" dirty="0"/>
+              <a:t>For Fri Feb 2</a:t>
             </a:r>
           </a:p>
         </p:txBody>
       </p:sp>
       <p:sp>
         <p:nvSpPr>
-          <p:cNvPr id="7171" name="Rectangle 3"/>
+          <p:cNvPr id="3" name="Content Placeholder 2">
+            <a:extLst>
+              <a:ext uri="{FF2B5EF4-FFF2-40B4-BE49-F238E27FC236}">
+                <a16:creationId xmlns:a16="http://schemas.microsoft.com/office/drawing/2014/main" id="{B853FE10-86A7-690D-A838-FD2AF1979ED4}"/>
+              </a:ext>
+            </a:extLst>
+          </p:cNvPr>
           <p:cNvSpPr>
-            <a:spLocks noGrp="1" noChangeArrowheads="1"/>
+            <a:spLocks noGrp="1"/>
           </p:cNvSpPr>
           <p:nvPr>
-            <p:ph type="body" idx="1"/>
+            <p:ph idx="1"/>
           </p:nvPr>
         </p:nvSpPr>
         <p:spPr/>
         <p:txBody>
-          <a:bodyPr/>
+          <a:bodyPr>
+            <a:normAutofit/>
+          </a:bodyPr>
           <a:lstStyle/>
           <a:p>
-            <a:pPr>
-              <a:lnSpc>
-                <a:spcPct val="80000"/>
-              </a:lnSpc>
-            </a:pPr>
             <a:r>
-              <a:rPr lang="en-US" sz="2000"/>
-              <a:t>Can the simple suggestion that you have consumed alcohol affect your memory for an event?  Alcohol placebos affect social behaviors, but not non-social ones, and have not previously been shown to affect memory.  We investigated the effect of alcohol placebos using materials that revealed both the social and the nonsocial influences of memory.  Subjects drank plain tonic water, but half were told it was a vodka and tonic; then all subjects took part in an eyewitness memory experiment.  Subjects who were told they drank alcohol were more swayed by misleading postevent information than were those who were told they drank tonic water, and were also more confident about the accuracy of their responses.  Our results show that the mere suggestion of alcohol consumption may make subjects more susceptible to misleading information and inappropriately confident.  These results also provide additional confirmation that eyewitness memory is influenced by both nonsocial and social factors.</a:t>
+              <a:rPr lang="en-US" dirty="0"/>
+              <a:t>Chapter 11: External Validity, Sampling</a:t>
             </a:r>
+          </a:p>
+          <a:p>
+            <a:pPr lvl="1"/>
+            <a:r>
+              <a:rPr lang="en-US" dirty="0"/>
+              <a:t>Short introduction to the general idea</a:t>
+            </a:r>
+          </a:p>
+          <a:p>
+            <a:pPr lvl="1"/>
+            <a:endParaRPr lang="en-US" dirty="0"/>
+          </a:p>
+          <a:p>
+            <a:r>
+              <a:rPr lang="en-US" dirty="0" err="1"/>
+              <a:t>Assefi</a:t>
+            </a:r>
+            <a:r>
+              <a:rPr lang="en-US" dirty="0"/>
+              <a:t> &amp; Garry (2003).  More 2x2 design practice.</a:t>
+            </a:r>
+          </a:p>
+          <a:p>
+            <a:endParaRPr lang="en-US" dirty="0"/>
+          </a:p>
+          <a:p>
+            <a:r>
+              <a:rPr lang="en-US" dirty="0"/>
+              <a:t>Collect data for Experiment 2</a:t>
+            </a:r>
+          </a:p>
+          <a:p>
+            <a:pPr lvl="1"/>
+            <a:r>
+              <a:rPr lang="en-US" dirty="0"/>
+              <a:t>Try to get 4 people to volunteer to try the study</a:t>
+            </a:r>
+          </a:p>
+          <a:p>
+            <a:pPr lvl="2"/>
+            <a:r>
+              <a:rPr lang="en-US" dirty="0"/>
+              <a:t>Submit completion codes if they provide them</a:t>
+            </a:r>
+          </a:p>
+          <a:p>
+            <a:pPr lvl="1"/>
+            <a:r>
+              <a:rPr lang="en-US" dirty="0"/>
+              <a:t>Deadline: Friday night? Sunday?</a:t>
+            </a:r>
+          </a:p>
+          <a:p>
+            <a:endParaRPr lang="en-US" dirty="0"/>
           </a:p>
         </p:txBody>
       </p:sp>
     </p:spTree>
     <p:extLst>
       <p:ext uri="{BB962C8B-B14F-4D97-AF65-F5344CB8AC3E}">
-        <p14:creationId xmlns:p14="http://schemas.microsoft.com/office/powerpoint/2010/main" val="1691178771"/>
-      </p:ext>
-    </p:extLst>
-  </p:cSld>
-  <p:clrMapOvr>
-    <a:masterClrMapping/>
-  </p:clrMapOvr>
-</p:sld>
-</file>
-
-<file path=ppt/slides/slide26.xml><?xml version="1.0" encoding="utf-8"?>
-<p:sld xmlns:a="http://schemas.openxmlformats.org/drawingml/2006/main" xmlns:r="http://schemas.openxmlformats.org/officeDocument/2006/relationships" xmlns:p="http://schemas.openxmlformats.org/presentationml/2006/main">
-  <p:cSld>
-    <p:spTree>
-      <p:nvGrpSpPr>
-        <p:cNvPr id="1" name=""/>
-        <p:cNvGrpSpPr/>
-        <p:nvPr/>
-      </p:nvGrpSpPr>
-      <p:grpSpPr>
-        <a:xfrm>
-          <a:off x="0" y="0"/>
-          <a:ext cx="0" cy="0"/>
-          <a:chOff x="0" y="0"/>
-          <a:chExt cx="0" cy="0"/>
-        </a:xfrm>
-      </p:grpSpPr>
-      <p:pic>
-        <p:nvPicPr>
-          <p:cNvPr id="1026" name="Picture 2"/>
-          <p:cNvPicPr>
-            <a:picLocks noChangeAspect="1" noChangeArrowheads="1"/>
-          </p:cNvPicPr>
-          <p:nvPr/>
-        </p:nvPicPr>
-        <p:blipFill>
-          <a:blip r:embed="rId2">
-            <a:extLst>
-              <a:ext uri="{28A0092B-C50C-407E-A947-70E740481C1C}">
-                <a14:useLocalDpi xmlns:a14="http://schemas.microsoft.com/office/drawing/2010/main" val="0"/>
-              </a:ext>
-            </a:extLst>
-          </a:blip>
-          <a:srcRect/>
-          <a:stretch>
-            <a:fillRect/>
-          </a:stretch>
-        </p:blipFill>
-        <p:spPr bwMode="auto">
-          <a:xfrm>
-            <a:off x="1981200" y="145723"/>
-            <a:ext cx="3733800" cy="3235960"/>
-          </a:xfrm>
-          <a:prstGeom prst="rect">
-            <a:avLst/>
-          </a:prstGeom>
-          <a:noFill/>
-          <a:ln>
-            <a:noFill/>
-          </a:ln>
-          <a:extLst>
-            <a:ext uri="{909E8E84-426E-40DD-AFC4-6F175D3DCCD1}">
-              <a14:hiddenFill xmlns:a14="http://schemas.microsoft.com/office/drawing/2010/main">
-                <a:solidFill>
-                  <a:schemeClr val="accent1"/>
-                </a:solidFill>
-              </a14:hiddenFill>
-            </a:ext>
-            <a:ext uri="{91240B29-F687-4F45-9708-019B960494DF}">
-              <a14:hiddenLine xmlns:a14="http://schemas.microsoft.com/office/drawing/2010/main" w="9525">
-                <a:solidFill>
-                  <a:schemeClr val="tx1"/>
-                </a:solidFill>
-                <a:miter lim="800000"/>
-                <a:headEnd/>
-                <a:tailEnd/>
-              </a14:hiddenLine>
-            </a:ext>
-          </a:extLst>
-        </p:spPr>
-      </p:pic>
-      <p:pic>
-        <p:nvPicPr>
-          <p:cNvPr id="1027" name="Picture 3"/>
-          <p:cNvPicPr>
-            <a:picLocks noChangeAspect="1" noChangeArrowheads="1"/>
-          </p:cNvPicPr>
-          <p:nvPr/>
-        </p:nvPicPr>
-        <p:blipFill>
-          <a:blip r:embed="rId3">
-            <a:extLst>
-              <a:ext uri="{28A0092B-C50C-407E-A947-70E740481C1C}">
-                <a14:useLocalDpi xmlns:a14="http://schemas.microsoft.com/office/drawing/2010/main" val="0"/>
-              </a:ext>
-            </a:extLst>
-          </a:blip>
-          <a:srcRect/>
-          <a:stretch>
-            <a:fillRect/>
-          </a:stretch>
-        </p:blipFill>
-        <p:spPr bwMode="auto">
-          <a:xfrm>
-            <a:off x="6019800" y="172065"/>
-            <a:ext cx="4188912" cy="6379906"/>
-          </a:xfrm>
-          <a:prstGeom prst="rect">
-            <a:avLst/>
-          </a:prstGeom>
-          <a:noFill/>
-          <a:ln>
-            <a:noFill/>
-          </a:ln>
-          <a:extLst>
-            <a:ext uri="{909E8E84-426E-40DD-AFC4-6F175D3DCCD1}">
-              <a14:hiddenFill xmlns:a14="http://schemas.microsoft.com/office/drawing/2010/main">
-                <a:solidFill>
-                  <a:schemeClr val="accent1"/>
-                </a:solidFill>
-              </a14:hiddenFill>
-            </a:ext>
-            <a:ext uri="{91240B29-F687-4F45-9708-019B960494DF}">
-              <a14:hiddenLine xmlns:a14="http://schemas.microsoft.com/office/drawing/2010/main" w="9525">
-                <a:solidFill>
-                  <a:schemeClr val="tx1"/>
-                </a:solidFill>
-                <a:miter lim="800000"/>
-                <a:headEnd/>
-                <a:tailEnd/>
-              </a14:hiddenLine>
-            </a:ext>
-          </a:extLst>
-        </p:spPr>
-      </p:pic>
-    </p:spTree>
-    <p:extLst>
-      <p:ext uri="{BB962C8B-B14F-4D97-AF65-F5344CB8AC3E}">
-        <p14:creationId xmlns:p14="http://schemas.microsoft.com/office/powerpoint/2010/main" val="2148402106"/>
-      </p:ext>
-    </p:extLst>
-  </p:cSld>
-  <p:clrMapOvr>
-    <a:masterClrMapping/>
-  </p:clrMapOvr>
-</p:sld>
-</file>
-
-<file path=ppt/slides/slide27.xml><?xml version="1.0" encoding="utf-8"?>
-<p:sld xmlns:a="http://schemas.openxmlformats.org/drawingml/2006/main" xmlns:r="http://schemas.openxmlformats.org/officeDocument/2006/relationships" xmlns:p="http://schemas.openxmlformats.org/presentationml/2006/main">
-  <p:cSld>
-    <p:spTree>
-      <p:nvGrpSpPr>
-        <p:cNvPr id="1" name=""/>
-        <p:cNvGrpSpPr/>
-        <p:nvPr/>
-      </p:nvGrpSpPr>
-      <p:grpSpPr>
-        <a:xfrm>
-          <a:off x="0" y="0"/>
-          <a:ext cx="0" cy="0"/>
-          <a:chOff x="0" y="0"/>
-          <a:chExt cx="0" cy="0"/>
-        </a:xfrm>
-      </p:grpSpPr>
-      <p:sp>
-        <p:nvSpPr>
-          <p:cNvPr id="8194" name="Rectangle 2"/>
-          <p:cNvSpPr>
-            <a:spLocks noGrp="1" noChangeArrowheads="1"/>
-          </p:cNvSpPr>
-          <p:nvPr>
-            <p:ph type="title"/>
-          </p:nvPr>
-        </p:nvSpPr>
-        <p:spPr/>
-        <p:txBody>
-          <a:bodyPr/>
-          <a:lstStyle/>
-          <a:p>
-            <a:r>
-              <a:rPr lang="en-US"/>
-              <a:t>Diagram</a:t>
-            </a:r>
-          </a:p>
-        </p:txBody>
-      </p:sp>
-      <p:sp>
-        <p:nvSpPr>
-          <p:cNvPr id="8195" name="Rectangle 3"/>
-          <p:cNvSpPr>
-            <a:spLocks noGrp="1" noChangeArrowheads="1"/>
-          </p:cNvSpPr>
-          <p:nvPr>
-            <p:ph type="body" idx="1"/>
-          </p:nvPr>
-        </p:nvSpPr>
-        <p:spPr/>
-        <p:txBody>
-          <a:bodyPr/>
-          <a:lstStyle/>
-          <a:p>
-            <a:r>
-              <a:rPr lang="en-US"/>
-              <a:t>2x2 mixed design</a:t>
-            </a:r>
-          </a:p>
-          <a:p>
-            <a:pPr lvl="1"/>
-            <a:r>
-              <a:rPr lang="en-US"/>
-              <a:t>Placebo/control between groups</a:t>
-            </a:r>
-          </a:p>
-          <a:p>
-            <a:pPr lvl="1"/>
-            <a:r>
-              <a:rPr lang="en-US"/>
-              <a:t>Misleading/control information within groups</a:t>
-            </a:r>
-          </a:p>
-          <a:p>
-            <a:r>
-              <a:rPr lang="en-US"/>
-              <a:t>148 original participants (31 eliminated)</a:t>
-            </a:r>
-          </a:p>
-          <a:p>
-            <a:pPr lvl="1"/>
-            <a:r>
-              <a:rPr lang="en-US"/>
-              <a:t>74 subjects per group planned</a:t>
-            </a:r>
-          </a:p>
-        </p:txBody>
-      </p:sp>
-      <p:graphicFrame>
-        <p:nvGraphicFramePr>
-          <p:cNvPr id="21508" name="Group 4"/>
-          <p:cNvGraphicFramePr>
-            <a:graphicFrameLocks noGrp="1"/>
-          </p:cNvGraphicFramePr>
-          <p:nvPr/>
-        </p:nvGraphicFramePr>
-        <p:xfrm>
-          <a:off x="1981201" y="4495801"/>
-          <a:ext cx="5624513" cy="1743075"/>
-        </p:xfrm>
-        <a:graphic>
-          <a:graphicData uri="http://schemas.openxmlformats.org/drawingml/2006/table">
-            <a:tbl>
-              <a:tblPr/>
-              <a:tblGrid>
-                <a:gridCol w="1874838">
-                  <a:extLst>
-                    <a:ext uri="{9D8B030D-6E8A-4147-A177-3AD203B41FA5}">
-                      <a16:colId xmlns:a16="http://schemas.microsoft.com/office/drawing/2014/main" val="20000"/>
-                    </a:ext>
-                  </a:extLst>
-                </a:gridCol>
-                <a:gridCol w="1874837">
-                  <a:extLst>
-                    <a:ext uri="{9D8B030D-6E8A-4147-A177-3AD203B41FA5}">
-                      <a16:colId xmlns:a16="http://schemas.microsoft.com/office/drawing/2014/main" val="20001"/>
-                    </a:ext>
-                  </a:extLst>
-                </a:gridCol>
-                <a:gridCol w="1874838">
-                  <a:extLst>
-                    <a:ext uri="{9D8B030D-6E8A-4147-A177-3AD203B41FA5}">
-                      <a16:colId xmlns:a16="http://schemas.microsoft.com/office/drawing/2014/main" val="20002"/>
-                    </a:ext>
-                  </a:extLst>
-                </a:gridCol>
-              </a:tblGrid>
-              <a:tr h="581025">
-                <a:tc>
-                  <a:txBody>
-                    <a:bodyPr/>
-                    <a:lstStyle/>
-                    <a:p>
-                      <a:pPr marL="0" marR="0" lvl="0" indent="0" algn="l" defTabSz="914400" rtl="0" eaLnBrk="1" fontAlgn="base" latinLnBrk="0" hangingPunct="1">
-                        <a:lnSpc>
-                          <a:spcPct val="100000"/>
-                        </a:lnSpc>
-                        <a:spcBef>
-                          <a:spcPct val="20000"/>
-                        </a:spcBef>
-                        <a:spcAft>
-                          <a:spcPct val="0"/>
-                        </a:spcAft>
-                        <a:buClrTx/>
-                        <a:buSzTx/>
-                        <a:buFontTx/>
-                        <a:buNone/>
-                        <a:tabLst/>
-                      </a:pPr>
-                      <a:endParaRPr kumimoji="0" lang="en-US" sz="2800" b="0" i="0" u="none" strike="noStrike" cap="none" normalizeH="0" baseline="0">
-                        <a:ln>
-                          <a:noFill/>
-                        </a:ln>
-                        <a:solidFill>
-                          <a:schemeClr val="tx1"/>
-                        </a:solidFill>
-                        <a:effectLst/>
-                        <a:latin typeface="Arial" charset="0"/>
-                      </a:endParaRPr>
-                    </a:p>
-                  </a:txBody>
-                  <a:tcPr horzOverflow="overflow">
-                    <a:lnL w="12700" cap="flat" cmpd="sng" algn="ctr">
-                      <a:solidFill>
-                        <a:srgbClr val="000000"/>
-                      </a:solidFill>
-                      <a:prstDash val="solid"/>
-                      <a:round/>
-                      <a:headEnd type="none" w="med" len="med"/>
-                      <a:tailEnd type="none" w="med" len="med"/>
-                    </a:lnL>
-                    <a:lnR w="12700" cap="flat" cmpd="sng" algn="ctr">
-                      <a:solidFill>
-                        <a:srgbClr val="000000"/>
-                      </a:solidFill>
-                      <a:prstDash val="solid"/>
-                      <a:round/>
-                      <a:headEnd type="none" w="med" len="med"/>
-                      <a:tailEnd type="none" w="med" len="med"/>
-                    </a:lnR>
-                    <a:lnT w="12700" cap="flat" cmpd="sng" algn="ctr">
-                      <a:solidFill>
-                        <a:srgbClr val="000000"/>
-                      </a:solidFill>
-                      <a:prstDash val="solid"/>
-                      <a:round/>
-                      <a:headEnd type="none" w="med" len="med"/>
-                      <a:tailEnd type="none" w="med" len="med"/>
-                    </a:lnT>
-                    <a:lnB w="12700" cap="flat" cmpd="sng" algn="ctr">
-                      <a:solidFill>
-                        <a:srgbClr val="000000"/>
-                      </a:solidFill>
-                      <a:prstDash val="solid"/>
-                      <a:round/>
-                      <a:headEnd type="none" w="med" len="med"/>
-                      <a:tailEnd type="none" w="med" len="med"/>
-                    </a:lnB>
-                    <a:lnTlToBr>
-                      <a:noFill/>
-                    </a:lnTlToBr>
-                    <a:lnBlToTr>
-                      <a:noFill/>
-                    </a:lnBlToTr>
-                    <a:noFill/>
-                  </a:tcPr>
-                </a:tc>
-                <a:tc>
-                  <a:txBody>
-                    <a:bodyPr/>
-                    <a:lstStyle/>
-                    <a:p>
-                      <a:pPr marL="0" marR="0" lvl="0" indent="0" algn="ctr" defTabSz="914400" rtl="0" eaLnBrk="1" fontAlgn="base" latinLnBrk="0" hangingPunct="1">
-                        <a:lnSpc>
-                          <a:spcPct val="100000"/>
-                        </a:lnSpc>
-                        <a:spcBef>
-                          <a:spcPct val="0"/>
-                        </a:spcBef>
-                        <a:spcAft>
-                          <a:spcPct val="0"/>
-                        </a:spcAft>
-                        <a:buClrTx/>
-                        <a:buSzTx/>
-                        <a:buFontTx/>
-                        <a:buNone/>
-                        <a:tabLst/>
-                      </a:pPr>
-                      <a:endParaRPr kumimoji="0" lang="en-US" sz="1600" b="0" i="0" u="none" strike="noStrike" cap="none" normalizeH="0" baseline="0">
-                        <a:ln>
-                          <a:noFill/>
-                        </a:ln>
-                        <a:solidFill>
-                          <a:schemeClr val="tx1"/>
-                        </a:solidFill>
-                        <a:effectLst/>
-                        <a:latin typeface="Times New Roman" pitchFamily="18" charset="0"/>
-                        <a:cs typeface="Times New Roman" pitchFamily="18" charset="0"/>
-                      </a:endParaRPr>
-                    </a:p>
-                    <a:p>
-                      <a:pPr marL="0" marR="0" lvl="0" indent="0" algn="ctr" defTabSz="914400" rtl="0" eaLnBrk="0" fontAlgn="base" latinLnBrk="0" hangingPunct="0">
-                        <a:lnSpc>
-                          <a:spcPct val="100000"/>
-                        </a:lnSpc>
-                        <a:spcBef>
-                          <a:spcPct val="0"/>
-                        </a:spcBef>
-                        <a:spcAft>
-                          <a:spcPct val="0"/>
-                        </a:spcAft>
-                        <a:buClrTx/>
-                        <a:buSzTx/>
-                        <a:buFontTx/>
-                        <a:buNone/>
-                        <a:tabLst/>
-                      </a:pPr>
-                      <a:r>
-                        <a:rPr kumimoji="0" lang="en-US" sz="1600" b="0" i="0" u="none" strike="noStrike" cap="none" normalizeH="0" baseline="0">
-                          <a:ln>
-                            <a:noFill/>
-                          </a:ln>
-                          <a:solidFill>
-                            <a:schemeClr val="tx1"/>
-                          </a:solidFill>
-                          <a:effectLst/>
-                          <a:latin typeface="Times New Roman" pitchFamily="18" charset="0"/>
-                          <a:cs typeface="Times New Roman" pitchFamily="18" charset="0"/>
-                        </a:rPr>
-                        <a:t>Misleading PEI</a:t>
-                      </a:r>
-                      <a:endParaRPr kumimoji="0" lang="en-US" sz="1800" b="0" i="0" u="none" strike="noStrike" cap="none" normalizeH="0" baseline="0">
-                        <a:ln>
-                          <a:noFill/>
-                        </a:ln>
-                        <a:solidFill>
-                          <a:schemeClr val="tx1"/>
-                        </a:solidFill>
-                        <a:effectLst/>
-                        <a:latin typeface="Arial" charset="0"/>
-                      </a:endParaRPr>
-                    </a:p>
-                  </a:txBody>
-                  <a:tcPr anchor="b" horzOverflow="overflow">
-                    <a:lnL w="12700" cap="flat" cmpd="sng" algn="ctr">
-                      <a:solidFill>
-                        <a:srgbClr val="000000"/>
-                      </a:solidFill>
-                      <a:prstDash val="solid"/>
-                      <a:round/>
-                      <a:headEnd type="none" w="med" len="med"/>
-                      <a:tailEnd type="none" w="med" len="med"/>
-                    </a:lnL>
-                    <a:lnR w="12700" cap="flat" cmpd="sng" algn="ctr">
-                      <a:solidFill>
-                        <a:srgbClr val="000000"/>
-                      </a:solidFill>
-                      <a:prstDash val="solid"/>
-                      <a:round/>
-                      <a:headEnd type="none" w="med" len="med"/>
-                      <a:tailEnd type="none" w="med" len="med"/>
-                    </a:lnR>
-                    <a:lnT w="12700" cap="flat" cmpd="sng" algn="ctr">
-                      <a:solidFill>
-                        <a:srgbClr val="000000"/>
-                      </a:solidFill>
-                      <a:prstDash val="solid"/>
-                      <a:round/>
-                      <a:headEnd type="none" w="med" len="med"/>
-                      <a:tailEnd type="none" w="med" len="med"/>
-                    </a:lnT>
-                    <a:lnB w="12700" cap="flat" cmpd="sng" algn="ctr">
-                      <a:solidFill>
-                        <a:srgbClr val="000000"/>
-                      </a:solidFill>
-                      <a:prstDash val="solid"/>
-                      <a:round/>
-                      <a:headEnd type="none" w="med" len="med"/>
-                      <a:tailEnd type="none" w="med" len="med"/>
-                    </a:lnB>
-                    <a:lnTlToBr>
-                      <a:noFill/>
-                    </a:lnTlToBr>
-                    <a:lnBlToTr>
-                      <a:noFill/>
-                    </a:lnBlToTr>
-                    <a:noFill/>
-                  </a:tcPr>
-                </a:tc>
-                <a:tc>
-                  <a:txBody>
-                    <a:bodyPr/>
-                    <a:lstStyle/>
-                    <a:p>
-                      <a:pPr marL="0" marR="0" lvl="0" indent="0" algn="ctr" defTabSz="914400" rtl="0" eaLnBrk="1" fontAlgn="base" latinLnBrk="0" hangingPunct="1">
-                        <a:lnSpc>
-                          <a:spcPct val="100000"/>
-                        </a:lnSpc>
-                        <a:spcBef>
-                          <a:spcPct val="0"/>
-                        </a:spcBef>
-                        <a:spcAft>
-                          <a:spcPct val="0"/>
-                        </a:spcAft>
-                        <a:buClrTx/>
-                        <a:buSzTx/>
-                        <a:buFontTx/>
-                        <a:buNone/>
-                        <a:tabLst/>
-                      </a:pPr>
-                      <a:r>
-                        <a:rPr kumimoji="0" lang="en-US" sz="1600" b="0" i="0" u="none" strike="noStrike" cap="none" normalizeH="0" baseline="0">
-                          <a:ln>
-                            <a:noFill/>
-                          </a:ln>
-                          <a:solidFill>
-                            <a:schemeClr val="tx1"/>
-                          </a:solidFill>
-                          <a:effectLst/>
-                          <a:latin typeface="Times New Roman" pitchFamily="18" charset="0"/>
-                          <a:cs typeface="Times New Roman" pitchFamily="18" charset="0"/>
-                        </a:rPr>
-                        <a:t>Control PEI</a:t>
-                      </a:r>
-                      <a:endParaRPr kumimoji="0" lang="en-US" sz="1800" b="0" i="0" u="none" strike="noStrike" cap="none" normalizeH="0" baseline="0">
-                        <a:ln>
-                          <a:noFill/>
-                        </a:ln>
-                        <a:solidFill>
-                          <a:schemeClr val="tx1"/>
-                        </a:solidFill>
-                        <a:effectLst/>
-                        <a:latin typeface="Arial" charset="0"/>
-                      </a:endParaRPr>
-                    </a:p>
-                  </a:txBody>
-                  <a:tcPr anchor="b" horzOverflow="overflow">
-                    <a:lnL w="12700" cap="flat" cmpd="sng" algn="ctr">
-                      <a:solidFill>
-                        <a:srgbClr val="000000"/>
-                      </a:solidFill>
-                      <a:prstDash val="solid"/>
-                      <a:round/>
-                      <a:headEnd type="none" w="med" len="med"/>
-                      <a:tailEnd type="none" w="med" len="med"/>
-                    </a:lnL>
-                    <a:lnR w="12700" cap="flat" cmpd="sng" algn="ctr">
-                      <a:solidFill>
-                        <a:srgbClr val="000000"/>
-                      </a:solidFill>
-                      <a:prstDash val="solid"/>
-                      <a:round/>
-                      <a:headEnd type="none" w="med" len="med"/>
-                      <a:tailEnd type="none" w="med" len="med"/>
-                    </a:lnR>
-                    <a:lnT w="12700" cap="flat" cmpd="sng" algn="ctr">
-                      <a:solidFill>
-                        <a:srgbClr val="000000"/>
-                      </a:solidFill>
-                      <a:prstDash val="solid"/>
-                      <a:round/>
-                      <a:headEnd type="none" w="med" len="med"/>
-                      <a:tailEnd type="none" w="med" len="med"/>
-                    </a:lnT>
-                    <a:lnB w="12700" cap="flat" cmpd="sng" algn="ctr">
-                      <a:solidFill>
-                        <a:srgbClr val="000000"/>
-                      </a:solidFill>
-                      <a:prstDash val="solid"/>
-                      <a:round/>
-                      <a:headEnd type="none" w="med" len="med"/>
-                      <a:tailEnd type="none" w="med" len="med"/>
-                    </a:lnB>
-                    <a:lnTlToBr>
-                      <a:noFill/>
-                    </a:lnTlToBr>
-                    <a:lnBlToTr>
-                      <a:noFill/>
-                    </a:lnBlToTr>
-                    <a:noFill/>
-                  </a:tcPr>
-                </a:tc>
-                <a:extLst>
-                  <a:ext uri="{0D108BD9-81ED-4DB2-BD59-A6C34878D82A}">
-                    <a16:rowId xmlns:a16="http://schemas.microsoft.com/office/drawing/2014/main" val="10000"/>
-                  </a:ext>
-                </a:extLst>
-              </a:tr>
-              <a:tr h="581025">
-                <a:tc>
-                  <a:txBody>
-                    <a:bodyPr/>
-                    <a:lstStyle/>
-                    <a:p>
-                      <a:pPr marL="0" marR="0" lvl="0" indent="0" algn="l" defTabSz="914400" rtl="0" eaLnBrk="1" fontAlgn="base" latinLnBrk="0" hangingPunct="1">
-                        <a:lnSpc>
-                          <a:spcPct val="100000"/>
-                        </a:lnSpc>
-                        <a:spcBef>
-                          <a:spcPct val="0"/>
-                        </a:spcBef>
-                        <a:spcAft>
-                          <a:spcPct val="0"/>
-                        </a:spcAft>
-                        <a:buClrTx/>
-                        <a:buSzTx/>
-                        <a:buFontTx/>
-                        <a:buNone/>
-                        <a:tabLst/>
-                      </a:pPr>
-                      <a:r>
-                        <a:rPr kumimoji="0" lang="en-US" sz="1600" b="0" i="0" u="none" strike="noStrike" cap="none" normalizeH="0" baseline="0">
-                          <a:ln>
-                            <a:noFill/>
-                          </a:ln>
-                          <a:solidFill>
-                            <a:schemeClr val="tx1"/>
-                          </a:solidFill>
-                          <a:effectLst/>
-                          <a:latin typeface="Times New Roman" pitchFamily="18" charset="0"/>
-                          <a:cs typeface="Times New Roman" pitchFamily="18" charset="0"/>
-                        </a:rPr>
-                        <a:t>Alcohol placebo</a:t>
-                      </a:r>
-                      <a:endParaRPr kumimoji="0" lang="en-US" sz="1800" b="0" i="0" u="none" strike="noStrike" cap="none" normalizeH="0" baseline="0">
-                        <a:ln>
-                          <a:noFill/>
-                        </a:ln>
-                        <a:solidFill>
-                          <a:schemeClr val="tx1"/>
-                        </a:solidFill>
-                        <a:effectLst/>
-                        <a:latin typeface="Arial" charset="0"/>
-                      </a:endParaRPr>
-                    </a:p>
-                  </a:txBody>
-                  <a:tcPr horzOverflow="overflow">
-                    <a:lnL w="12700" cap="flat" cmpd="sng" algn="ctr">
-                      <a:solidFill>
-                        <a:srgbClr val="000000"/>
-                      </a:solidFill>
-                      <a:prstDash val="solid"/>
-                      <a:round/>
-                      <a:headEnd type="none" w="med" len="med"/>
-                      <a:tailEnd type="none" w="med" len="med"/>
-                    </a:lnL>
-                    <a:lnR w="12700" cap="flat" cmpd="sng" algn="ctr">
-                      <a:solidFill>
-                        <a:srgbClr val="000000"/>
-                      </a:solidFill>
-                      <a:prstDash val="solid"/>
-                      <a:round/>
-                      <a:headEnd type="none" w="med" len="med"/>
-                      <a:tailEnd type="none" w="med" len="med"/>
-                    </a:lnR>
-                    <a:lnT w="12700" cap="flat" cmpd="sng" algn="ctr">
-                      <a:solidFill>
-                        <a:srgbClr val="000000"/>
-                      </a:solidFill>
-                      <a:prstDash val="solid"/>
-                      <a:round/>
-                      <a:headEnd type="none" w="med" len="med"/>
-                      <a:tailEnd type="none" w="med" len="med"/>
-                    </a:lnT>
-                    <a:lnB w="12700" cap="flat" cmpd="sng" algn="ctr">
-                      <a:solidFill>
-                        <a:srgbClr val="000000"/>
-                      </a:solidFill>
-                      <a:prstDash val="solid"/>
-                      <a:round/>
-                      <a:headEnd type="none" w="med" len="med"/>
-                      <a:tailEnd type="none" w="med" len="med"/>
-                    </a:lnB>
-                    <a:lnTlToBr>
-                      <a:noFill/>
-                    </a:lnTlToBr>
-                    <a:lnBlToTr>
-                      <a:noFill/>
-                    </a:lnBlToTr>
-                    <a:noFill/>
-                  </a:tcPr>
-                </a:tc>
-                <a:tc>
-                  <a:txBody>
-                    <a:bodyPr/>
-                    <a:lstStyle/>
-                    <a:p>
-                      <a:pPr marL="0" marR="0" lvl="0" indent="0" algn="ctr" defTabSz="914400" rtl="0" eaLnBrk="1" fontAlgn="base" latinLnBrk="0" hangingPunct="1">
-                        <a:lnSpc>
-                          <a:spcPct val="100000"/>
-                        </a:lnSpc>
-                        <a:spcBef>
-                          <a:spcPct val="0"/>
-                        </a:spcBef>
-                        <a:spcAft>
-                          <a:spcPct val="0"/>
-                        </a:spcAft>
-                        <a:buClrTx/>
-                        <a:buSzTx/>
-                        <a:buFontTx/>
-                        <a:buNone/>
-                        <a:tabLst/>
-                      </a:pPr>
-                      <a:r>
-                        <a:rPr kumimoji="0" lang="en-US" sz="1600" b="0" i="0" u="none" strike="noStrike" cap="none" normalizeH="0" baseline="0">
-                          <a:ln>
-                            <a:noFill/>
-                          </a:ln>
-                          <a:solidFill>
-                            <a:schemeClr val="tx1"/>
-                          </a:solidFill>
-                          <a:effectLst/>
-                          <a:latin typeface="Times New Roman" pitchFamily="18" charset="0"/>
-                          <a:cs typeface="Times New Roman" pitchFamily="18" charset="0"/>
-                        </a:rPr>
-                        <a:t>N=74</a:t>
-                      </a:r>
-                      <a:endParaRPr kumimoji="0" lang="en-US" sz="1000" b="0" i="0" u="none" strike="noStrike" cap="none" normalizeH="0" baseline="0">
-                        <a:ln>
-                          <a:noFill/>
-                        </a:ln>
-                        <a:solidFill>
-                          <a:schemeClr val="tx1"/>
-                        </a:solidFill>
-                        <a:effectLst/>
-                        <a:latin typeface="Times New Roman" pitchFamily="18" charset="0"/>
-                        <a:cs typeface="Times New Roman" pitchFamily="18" charset="0"/>
-                      </a:endParaRPr>
-                    </a:p>
-                    <a:p>
-                      <a:pPr marL="0" marR="0" lvl="0" indent="0" algn="ctr" defTabSz="914400" rtl="0" eaLnBrk="0" fontAlgn="base" latinLnBrk="0" hangingPunct="0">
-                        <a:lnSpc>
-                          <a:spcPct val="100000"/>
-                        </a:lnSpc>
-                        <a:spcBef>
-                          <a:spcPct val="0"/>
-                        </a:spcBef>
-                        <a:spcAft>
-                          <a:spcPct val="0"/>
-                        </a:spcAft>
-                        <a:buClrTx/>
-                        <a:buSzTx/>
-                        <a:buFontTx/>
-                        <a:buNone/>
-                        <a:tabLst/>
-                      </a:pPr>
-                      <a:r>
-                        <a:rPr kumimoji="0" lang="en-US" sz="1600" b="0" i="0" u="none" strike="noStrike" cap="none" normalizeH="0" baseline="0">
-                          <a:ln>
-                            <a:noFill/>
-                          </a:ln>
-                          <a:solidFill>
-                            <a:schemeClr val="tx1"/>
-                          </a:solidFill>
-                          <a:effectLst/>
-                          <a:latin typeface="Times New Roman" pitchFamily="18" charset="0"/>
-                          <a:cs typeface="Times New Roman" pitchFamily="18" charset="0"/>
-                        </a:rPr>
-                        <a:t>1.45</a:t>
-                      </a:r>
-                      <a:endParaRPr kumimoji="0" lang="en-US" sz="1800" b="0" i="0" u="none" strike="noStrike" cap="none" normalizeH="0" baseline="0">
-                        <a:ln>
-                          <a:noFill/>
-                        </a:ln>
-                        <a:solidFill>
-                          <a:schemeClr val="tx1"/>
-                        </a:solidFill>
-                        <a:effectLst/>
-                        <a:latin typeface="Arial" charset="0"/>
-                      </a:endParaRPr>
-                    </a:p>
-                  </a:txBody>
-                  <a:tcPr horzOverflow="overflow">
-                    <a:lnL w="12700" cap="flat" cmpd="sng" algn="ctr">
-                      <a:solidFill>
-                        <a:srgbClr val="000000"/>
-                      </a:solidFill>
-                      <a:prstDash val="solid"/>
-                      <a:round/>
-                      <a:headEnd type="none" w="med" len="med"/>
-                      <a:tailEnd type="none" w="med" len="med"/>
-                    </a:lnL>
-                    <a:lnR w="12700" cap="flat" cmpd="sng" algn="ctr">
-                      <a:solidFill>
-                        <a:srgbClr val="000000"/>
-                      </a:solidFill>
-                      <a:prstDash val="solid"/>
-                      <a:round/>
-                      <a:headEnd type="none" w="med" len="med"/>
-                      <a:tailEnd type="none" w="med" len="med"/>
-                    </a:lnR>
-                    <a:lnT w="12700" cap="flat" cmpd="sng" algn="ctr">
-                      <a:solidFill>
-                        <a:srgbClr val="000000"/>
-                      </a:solidFill>
-                      <a:prstDash val="solid"/>
-                      <a:round/>
-                      <a:headEnd type="none" w="med" len="med"/>
-                      <a:tailEnd type="none" w="med" len="med"/>
-                    </a:lnT>
-                    <a:lnB w="12700" cap="flat" cmpd="sng" algn="ctr">
-                      <a:solidFill>
-                        <a:srgbClr val="000000"/>
-                      </a:solidFill>
-                      <a:prstDash val="solid"/>
-                      <a:round/>
-                      <a:headEnd type="none" w="med" len="med"/>
-                      <a:tailEnd type="none" w="med" len="med"/>
-                    </a:lnB>
-                    <a:lnTlToBr>
-                      <a:noFill/>
-                    </a:lnTlToBr>
-                    <a:lnBlToTr>
-                      <a:noFill/>
-                    </a:lnBlToTr>
-                    <a:noFill/>
-                  </a:tcPr>
-                </a:tc>
-                <a:tc>
-                  <a:txBody>
-                    <a:bodyPr/>
-                    <a:lstStyle/>
-                    <a:p>
-                      <a:pPr marL="0" marR="0" lvl="0" indent="0" algn="ctr" defTabSz="914400" rtl="0" eaLnBrk="1" fontAlgn="base" latinLnBrk="0" hangingPunct="1">
-                        <a:lnSpc>
-                          <a:spcPct val="100000"/>
-                        </a:lnSpc>
-                        <a:spcBef>
-                          <a:spcPct val="0"/>
-                        </a:spcBef>
-                        <a:spcAft>
-                          <a:spcPct val="0"/>
-                        </a:spcAft>
-                        <a:buClrTx/>
-                        <a:buSzTx/>
-                        <a:buFontTx/>
-                        <a:buNone/>
-                        <a:tabLst/>
-                      </a:pPr>
-                      <a:r>
-                        <a:rPr kumimoji="0" lang="en-US" sz="1600" b="0" i="0" u="none" strike="noStrike" cap="none" normalizeH="0" baseline="0">
-                          <a:ln>
-                            <a:noFill/>
-                          </a:ln>
-                          <a:solidFill>
-                            <a:schemeClr val="tx1"/>
-                          </a:solidFill>
-                          <a:effectLst/>
-                          <a:latin typeface="Times New Roman" pitchFamily="18" charset="0"/>
-                          <a:cs typeface="Times New Roman" pitchFamily="18" charset="0"/>
-                        </a:rPr>
-                        <a:t>N=74</a:t>
-                      </a:r>
-                      <a:endParaRPr kumimoji="0" lang="en-US" sz="1000" b="0" i="0" u="none" strike="noStrike" cap="none" normalizeH="0" baseline="0">
-                        <a:ln>
-                          <a:noFill/>
-                        </a:ln>
-                        <a:solidFill>
-                          <a:schemeClr val="tx1"/>
-                        </a:solidFill>
-                        <a:effectLst/>
-                        <a:latin typeface="Times New Roman" pitchFamily="18" charset="0"/>
-                        <a:cs typeface="Times New Roman" pitchFamily="18" charset="0"/>
-                      </a:endParaRPr>
-                    </a:p>
-                    <a:p>
-                      <a:pPr marL="0" marR="0" lvl="0" indent="0" algn="ctr" defTabSz="914400" rtl="0" eaLnBrk="0" fontAlgn="base" latinLnBrk="0" hangingPunct="0">
-                        <a:lnSpc>
-                          <a:spcPct val="100000"/>
-                        </a:lnSpc>
-                        <a:spcBef>
-                          <a:spcPct val="0"/>
-                        </a:spcBef>
-                        <a:spcAft>
-                          <a:spcPct val="0"/>
-                        </a:spcAft>
-                        <a:buClrTx/>
-                        <a:buSzTx/>
-                        <a:buFontTx/>
-                        <a:buNone/>
-                        <a:tabLst/>
-                      </a:pPr>
-                      <a:r>
-                        <a:rPr kumimoji="0" lang="en-US" sz="1600" b="0" i="0" u="none" strike="noStrike" cap="none" normalizeH="0" baseline="0">
-                          <a:ln>
-                            <a:noFill/>
-                          </a:ln>
-                          <a:solidFill>
-                            <a:schemeClr val="tx1"/>
-                          </a:solidFill>
-                          <a:effectLst/>
-                          <a:latin typeface="Times New Roman" pitchFamily="18" charset="0"/>
-                          <a:cs typeface="Times New Roman" pitchFamily="18" charset="0"/>
-                        </a:rPr>
-                        <a:t>2.45</a:t>
-                      </a:r>
-                      <a:endParaRPr kumimoji="0" lang="en-US" sz="1800" b="0" i="0" u="none" strike="noStrike" cap="none" normalizeH="0" baseline="0">
-                        <a:ln>
-                          <a:noFill/>
-                        </a:ln>
-                        <a:solidFill>
-                          <a:schemeClr val="tx1"/>
-                        </a:solidFill>
-                        <a:effectLst/>
-                        <a:latin typeface="Arial" charset="0"/>
-                      </a:endParaRPr>
-                    </a:p>
-                  </a:txBody>
-                  <a:tcPr horzOverflow="overflow">
-                    <a:lnL w="12700" cap="flat" cmpd="sng" algn="ctr">
-                      <a:solidFill>
-                        <a:srgbClr val="000000"/>
-                      </a:solidFill>
-                      <a:prstDash val="solid"/>
-                      <a:round/>
-                      <a:headEnd type="none" w="med" len="med"/>
-                      <a:tailEnd type="none" w="med" len="med"/>
-                    </a:lnL>
-                    <a:lnR w="12700" cap="flat" cmpd="sng" algn="ctr">
-                      <a:solidFill>
-                        <a:srgbClr val="000000"/>
-                      </a:solidFill>
-                      <a:prstDash val="solid"/>
-                      <a:round/>
-                      <a:headEnd type="none" w="med" len="med"/>
-                      <a:tailEnd type="none" w="med" len="med"/>
-                    </a:lnR>
-                    <a:lnT w="12700" cap="flat" cmpd="sng" algn="ctr">
-                      <a:solidFill>
-                        <a:srgbClr val="000000"/>
-                      </a:solidFill>
-                      <a:prstDash val="solid"/>
-                      <a:round/>
-                      <a:headEnd type="none" w="med" len="med"/>
-                      <a:tailEnd type="none" w="med" len="med"/>
-                    </a:lnT>
-                    <a:lnB w="12700" cap="flat" cmpd="sng" algn="ctr">
-                      <a:solidFill>
-                        <a:srgbClr val="000000"/>
-                      </a:solidFill>
-                      <a:prstDash val="solid"/>
-                      <a:round/>
-                      <a:headEnd type="none" w="med" len="med"/>
-                      <a:tailEnd type="none" w="med" len="med"/>
-                    </a:lnB>
-                    <a:lnTlToBr>
-                      <a:noFill/>
-                    </a:lnTlToBr>
-                    <a:lnBlToTr>
-                      <a:noFill/>
-                    </a:lnBlToTr>
-                    <a:noFill/>
-                  </a:tcPr>
-                </a:tc>
-                <a:extLst>
-                  <a:ext uri="{0D108BD9-81ED-4DB2-BD59-A6C34878D82A}">
-                    <a16:rowId xmlns:a16="http://schemas.microsoft.com/office/drawing/2014/main" val="10001"/>
-                  </a:ext>
-                </a:extLst>
-              </a:tr>
-              <a:tr h="581025">
-                <a:tc>
-                  <a:txBody>
-                    <a:bodyPr/>
-                    <a:lstStyle/>
-                    <a:p>
-                      <a:pPr marL="0" marR="0" lvl="0" indent="0" algn="l" defTabSz="914400" rtl="0" eaLnBrk="1" fontAlgn="base" latinLnBrk="0" hangingPunct="1">
-                        <a:lnSpc>
-                          <a:spcPct val="100000"/>
-                        </a:lnSpc>
-                        <a:spcBef>
-                          <a:spcPct val="0"/>
-                        </a:spcBef>
-                        <a:spcAft>
-                          <a:spcPct val="0"/>
-                        </a:spcAft>
-                        <a:buClrTx/>
-                        <a:buSzTx/>
-                        <a:buFontTx/>
-                        <a:buNone/>
-                        <a:tabLst/>
-                      </a:pPr>
-                      <a:r>
-                        <a:rPr kumimoji="0" lang="en-US" sz="1600" b="0" i="0" u="none" strike="noStrike" cap="none" normalizeH="0" baseline="0">
-                          <a:ln>
-                            <a:noFill/>
-                          </a:ln>
-                          <a:solidFill>
-                            <a:schemeClr val="tx1"/>
-                          </a:solidFill>
-                          <a:effectLst/>
-                          <a:latin typeface="Times New Roman" pitchFamily="18" charset="0"/>
-                          <a:cs typeface="Times New Roman" pitchFamily="18" charset="0"/>
-                        </a:rPr>
-                        <a:t>Control</a:t>
-                      </a:r>
-                      <a:endParaRPr kumimoji="0" lang="en-US" sz="1800" b="0" i="0" u="none" strike="noStrike" cap="none" normalizeH="0" baseline="0">
-                        <a:ln>
-                          <a:noFill/>
-                        </a:ln>
-                        <a:solidFill>
-                          <a:schemeClr val="tx1"/>
-                        </a:solidFill>
-                        <a:effectLst/>
-                        <a:latin typeface="Arial" charset="0"/>
-                      </a:endParaRPr>
-                    </a:p>
-                  </a:txBody>
-                  <a:tcPr horzOverflow="overflow">
-                    <a:lnL w="12700" cap="flat" cmpd="sng" algn="ctr">
-                      <a:solidFill>
-                        <a:srgbClr val="000000"/>
-                      </a:solidFill>
-                      <a:prstDash val="solid"/>
-                      <a:round/>
-                      <a:headEnd type="none" w="med" len="med"/>
-                      <a:tailEnd type="none" w="med" len="med"/>
-                    </a:lnL>
-                    <a:lnR w="12700" cap="flat" cmpd="sng" algn="ctr">
-                      <a:solidFill>
-                        <a:srgbClr val="000000"/>
-                      </a:solidFill>
-                      <a:prstDash val="solid"/>
-                      <a:round/>
-                      <a:headEnd type="none" w="med" len="med"/>
-                      <a:tailEnd type="none" w="med" len="med"/>
-                    </a:lnR>
-                    <a:lnT w="12700" cap="flat" cmpd="sng" algn="ctr">
-                      <a:solidFill>
-                        <a:srgbClr val="000000"/>
-                      </a:solidFill>
-                      <a:prstDash val="solid"/>
-                      <a:round/>
-                      <a:headEnd type="none" w="med" len="med"/>
-                      <a:tailEnd type="none" w="med" len="med"/>
-                    </a:lnT>
-                    <a:lnB w="12700" cap="flat" cmpd="sng" algn="ctr">
-                      <a:solidFill>
-                        <a:srgbClr val="000000"/>
-                      </a:solidFill>
-                      <a:prstDash val="solid"/>
-                      <a:round/>
-                      <a:headEnd type="none" w="med" len="med"/>
-                      <a:tailEnd type="none" w="med" len="med"/>
-                    </a:lnB>
-                    <a:lnTlToBr>
-                      <a:noFill/>
-                    </a:lnTlToBr>
-                    <a:lnBlToTr>
-                      <a:noFill/>
-                    </a:lnBlToTr>
-                    <a:noFill/>
-                  </a:tcPr>
-                </a:tc>
-                <a:tc>
-                  <a:txBody>
-                    <a:bodyPr/>
-                    <a:lstStyle/>
-                    <a:p>
-                      <a:pPr marL="0" marR="0" lvl="0" indent="0" algn="ctr" defTabSz="914400" rtl="0" eaLnBrk="1" fontAlgn="base" latinLnBrk="0" hangingPunct="1">
-                        <a:lnSpc>
-                          <a:spcPct val="100000"/>
-                        </a:lnSpc>
-                        <a:spcBef>
-                          <a:spcPct val="0"/>
-                        </a:spcBef>
-                        <a:spcAft>
-                          <a:spcPct val="0"/>
-                        </a:spcAft>
-                        <a:buClrTx/>
-                        <a:buSzTx/>
-                        <a:buFontTx/>
-                        <a:buNone/>
-                        <a:tabLst/>
-                      </a:pPr>
-                      <a:r>
-                        <a:rPr kumimoji="0" lang="en-US" sz="1600" b="0" i="0" u="none" strike="noStrike" cap="none" normalizeH="0" baseline="0">
-                          <a:ln>
-                            <a:noFill/>
-                          </a:ln>
-                          <a:solidFill>
-                            <a:schemeClr val="tx1"/>
-                          </a:solidFill>
-                          <a:effectLst/>
-                          <a:latin typeface="Times New Roman" pitchFamily="18" charset="0"/>
-                          <a:cs typeface="Times New Roman" pitchFamily="18" charset="0"/>
-                        </a:rPr>
-                        <a:t>N=74</a:t>
-                      </a:r>
-                      <a:endParaRPr kumimoji="0" lang="en-US" sz="1000" b="0" i="0" u="none" strike="noStrike" cap="none" normalizeH="0" baseline="0">
-                        <a:ln>
-                          <a:noFill/>
-                        </a:ln>
-                        <a:solidFill>
-                          <a:schemeClr val="tx1"/>
-                        </a:solidFill>
-                        <a:effectLst/>
-                        <a:latin typeface="Times New Roman" pitchFamily="18" charset="0"/>
-                        <a:cs typeface="Times New Roman" pitchFamily="18" charset="0"/>
-                      </a:endParaRPr>
-                    </a:p>
-                    <a:p>
-                      <a:pPr marL="0" marR="0" lvl="0" indent="0" algn="ctr" defTabSz="914400" rtl="0" eaLnBrk="0" fontAlgn="base" latinLnBrk="0" hangingPunct="0">
-                        <a:lnSpc>
-                          <a:spcPct val="100000"/>
-                        </a:lnSpc>
-                        <a:spcBef>
-                          <a:spcPct val="0"/>
-                        </a:spcBef>
-                        <a:spcAft>
-                          <a:spcPct val="0"/>
-                        </a:spcAft>
-                        <a:buClrTx/>
-                        <a:buSzTx/>
-                        <a:buFontTx/>
-                        <a:buNone/>
-                        <a:tabLst/>
-                      </a:pPr>
-                      <a:r>
-                        <a:rPr kumimoji="0" lang="en-US" sz="1600" b="0" i="0" u="none" strike="noStrike" cap="none" normalizeH="0" baseline="0">
-                          <a:ln>
-                            <a:noFill/>
-                          </a:ln>
-                          <a:solidFill>
-                            <a:schemeClr val="tx1"/>
-                          </a:solidFill>
-                          <a:effectLst/>
-                          <a:latin typeface="Times New Roman" pitchFamily="18" charset="0"/>
-                          <a:cs typeface="Times New Roman" pitchFamily="18" charset="0"/>
-                        </a:rPr>
-                        <a:t>1.80</a:t>
-                      </a:r>
-                      <a:endParaRPr kumimoji="0" lang="en-US" sz="1800" b="0" i="0" u="none" strike="noStrike" cap="none" normalizeH="0" baseline="0">
-                        <a:ln>
-                          <a:noFill/>
-                        </a:ln>
-                        <a:solidFill>
-                          <a:schemeClr val="tx1"/>
-                        </a:solidFill>
-                        <a:effectLst/>
-                        <a:latin typeface="Arial" charset="0"/>
-                      </a:endParaRPr>
-                    </a:p>
-                  </a:txBody>
-                  <a:tcPr horzOverflow="overflow">
-                    <a:lnL w="12700" cap="flat" cmpd="sng" algn="ctr">
-                      <a:solidFill>
-                        <a:srgbClr val="000000"/>
-                      </a:solidFill>
-                      <a:prstDash val="solid"/>
-                      <a:round/>
-                      <a:headEnd type="none" w="med" len="med"/>
-                      <a:tailEnd type="none" w="med" len="med"/>
-                    </a:lnL>
-                    <a:lnR w="12700" cap="flat" cmpd="sng" algn="ctr">
-                      <a:solidFill>
-                        <a:srgbClr val="000000"/>
-                      </a:solidFill>
-                      <a:prstDash val="solid"/>
-                      <a:round/>
-                      <a:headEnd type="none" w="med" len="med"/>
-                      <a:tailEnd type="none" w="med" len="med"/>
-                    </a:lnR>
-                    <a:lnT w="12700" cap="flat" cmpd="sng" algn="ctr">
-                      <a:solidFill>
-                        <a:srgbClr val="000000"/>
-                      </a:solidFill>
-                      <a:prstDash val="solid"/>
-                      <a:round/>
-                      <a:headEnd type="none" w="med" len="med"/>
-                      <a:tailEnd type="none" w="med" len="med"/>
-                    </a:lnT>
-                    <a:lnB w="12700" cap="flat" cmpd="sng" algn="ctr">
-                      <a:solidFill>
-                        <a:srgbClr val="000000"/>
-                      </a:solidFill>
-                      <a:prstDash val="solid"/>
-                      <a:round/>
-                      <a:headEnd type="none" w="med" len="med"/>
-                      <a:tailEnd type="none" w="med" len="med"/>
-                    </a:lnB>
-                    <a:lnTlToBr>
-                      <a:noFill/>
-                    </a:lnTlToBr>
-                    <a:lnBlToTr>
-                      <a:noFill/>
-                    </a:lnBlToTr>
-                    <a:noFill/>
-                  </a:tcPr>
-                </a:tc>
-                <a:tc>
-                  <a:txBody>
-                    <a:bodyPr/>
-                    <a:lstStyle/>
-                    <a:p>
-                      <a:pPr marL="0" marR="0" lvl="0" indent="0" algn="ctr" defTabSz="914400" rtl="0" eaLnBrk="1" fontAlgn="base" latinLnBrk="0" hangingPunct="1">
-                        <a:lnSpc>
-                          <a:spcPct val="100000"/>
-                        </a:lnSpc>
-                        <a:spcBef>
-                          <a:spcPct val="0"/>
-                        </a:spcBef>
-                        <a:spcAft>
-                          <a:spcPct val="0"/>
-                        </a:spcAft>
-                        <a:buClrTx/>
-                        <a:buSzTx/>
-                        <a:buFontTx/>
-                        <a:buNone/>
-                        <a:tabLst/>
-                      </a:pPr>
-                      <a:r>
-                        <a:rPr kumimoji="0" lang="en-US" sz="1600" b="0" i="0" u="none" strike="noStrike" cap="none" normalizeH="0" baseline="0">
-                          <a:ln>
-                            <a:noFill/>
-                          </a:ln>
-                          <a:solidFill>
-                            <a:schemeClr val="tx1"/>
-                          </a:solidFill>
-                          <a:effectLst/>
-                          <a:latin typeface="Times New Roman" pitchFamily="18" charset="0"/>
-                          <a:cs typeface="Times New Roman" pitchFamily="18" charset="0"/>
-                        </a:rPr>
-                        <a:t>N=74</a:t>
-                      </a:r>
-                      <a:endParaRPr kumimoji="0" lang="en-US" sz="1000" b="0" i="0" u="none" strike="noStrike" cap="none" normalizeH="0" baseline="0">
-                        <a:ln>
-                          <a:noFill/>
-                        </a:ln>
-                        <a:solidFill>
-                          <a:schemeClr val="tx1"/>
-                        </a:solidFill>
-                        <a:effectLst/>
-                        <a:latin typeface="Times New Roman" pitchFamily="18" charset="0"/>
-                        <a:cs typeface="Times New Roman" pitchFamily="18" charset="0"/>
-                      </a:endParaRPr>
-                    </a:p>
-                    <a:p>
-                      <a:pPr marL="0" marR="0" lvl="0" indent="0" algn="ctr" defTabSz="914400" rtl="0" eaLnBrk="0" fontAlgn="base" latinLnBrk="0" hangingPunct="0">
-                        <a:lnSpc>
-                          <a:spcPct val="100000"/>
-                        </a:lnSpc>
-                        <a:spcBef>
-                          <a:spcPct val="0"/>
-                        </a:spcBef>
-                        <a:spcAft>
-                          <a:spcPct val="0"/>
-                        </a:spcAft>
-                        <a:buClrTx/>
-                        <a:buSzTx/>
-                        <a:buFontTx/>
-                        <a:buNone/>
-                        <a:tabLst/>
-                      </a:pPr>
-                      <a:r>
-                        <a:rPr kumimoji="0" lang="en-US" sz="1600" b="0" i="0" u="none" strike="noStrike" cap="none" normalizeH="0" baseline="0">
-                          <a:ln>
-                            <a:noFill/>
-                          </a:ln>
-                          <a:solidFill>
-                            <a:schemeClr val="tx1"/>
-                          </a:solidFill>
-                          <a:effectLst/>
-                          <a:latin typeface="Times New Roman" pitchFamily="18" charset="0"/>
-                          <a:cs typeface="Times New Roman" pitchFamily="18" charset="0"/>
-                        </a:rPr>
-                        <a:t>2.50</a:t>
-                      </a:r>
-                      <a:endParaRPr kumimoji="0" lang="en-US" sz="1800" b="0" i="0" u="none" strike="noStrike" cap="none" normalizeH="0" baseline="0">
-                        <a:ln>
-                          <a:noFill/>
-                        </a:ln>
-                        <a:solidFill>
-                          <a:schemeClr val="tx1"/>
-                        </a:solidFill>
-                        <a:effectLst/>
-                        <a:latin typeface="Arial" charset="0"/>
-                      </a:endParaRPr>
-                    </a:p>
-                  </a:txBody>
-                  <a:tcPr horzOverflow="overflow">
-                    <a:lnL w="12700" cap="flat" cmpd="sng" algn="ctr">
-                      <a:solidFill>
-                        <a:srgbClr val="000000"/>
-                      </a:solidFill>
-                      <a:prstDash val="solid"/>
-                      <a:round/>
-                      <a:headEnd type="none" w="med" len="med"/>
-                      <a:tailEnd type="none" w="med" len="med"/>
-                    </a:lnL>
-                    <a:lnR w="12700" cap="flat" cmpd="sng" algn="ctr">
-                      <a:solidFill>
-                        <a:srgbClr val="000000"/>
-                      </a:solidFill>
-                      <a:prstDash val="solid"/>
-                      <a:round/>
-                      <a:headEnd type="none" w="med" len="med"/>
-                      <a:tailEnd type="none" w="med" len="med"/>
-                    </a:lnR>
-                    <a:lnT w="12700" cap="flat" cmpd="sng" algn="ctr">
-                      <a:solidFill>
-                        <a:srgbClr val="000000"/>
-                      </a:solidFill>
-                      <a:prstDash val="solid"/>
-                      <a:round/>
-                      <a:headEnd type="none" w="med" len="med"/>
-                      <a:tailEnd type="none" w="med" len="med"/>
-                    </a:lnT>
-                    <a:lnB w="12700" cap="flat" cmpd="sng" algn="ctr">
-                      <a:solidFill>
-                        <a:srgbClr val="000000"/>
-                      </a:solidFill>
-                      <a:prstDash val="solid"/>
-                      <a:round/>
-                      <a:headEnd type="none" w="med" len="med"/>
-                      <a:tailEnd type="none" w="med" len="med"/>
-                    </a:lnB>
-                    <a:lnTlToBr>
-                      <a:noFill/>
-                    </a:lnTlToBr>
-                    <a:lnBlToTr>
-                      <a:noFill/>
-                    </a:lnBlToTr>
-                    <a:noFill/>
-                  </a:tcPr>
-                </a:tc>
-                <a:extLst>
-                  <a:ext uri="{0D108BD9-81ED-4DB2-BD59-A6C34878D82A}">
-                    <a16:rowId xmlns:a16="http://schemas.microsoft.com/office/drawing/2014/main" val="10002"/>
-                  </a:ext>
-                </a:extLst>
-              </a:tr>
-            </a:tbl>
-          </a:graphicData>
-        </a:graphic>
-      </p:graphicFrame>
-    </p:spTree>
-    <p:extLst>
-      <p:ext uri="{BB962C8B-B14F-4D97-AF65-F5344CB8AC3E}">
-        <p14:creationId xmlns:p14="http://schemas.microsoft.com/office/powerpoint/2010/main" val="822948412"/>
-      </p:ext>
-    </p:extLst>
-  </p:cSld>
-  <p:clrMapOvr>
-    <a:masterClrMapping/>
-  </p:clrMapOvr>
-</p:sld>
-</file>
-
-<file path=ppt/slides/slide28.xml><?xml version="1.0" encoding="utf-8"?>
-<p:sld xmlns:a="http://schemas.openxmlformats.org/drawingml/2006/main" xmlns:r="http://schemas.openxmlformats.org/officeDocument/2006/relationships" xmlns:p="http://schemas.openxmlformats.org/presentationml/2006/main">
-  <p:cSld>
-    <p:spTree>
-      <p:nvGrpSpPr>
-        <p:cNvPr id="1" name=""/>
-        <p:cNvGrpSpPr/>
-        <p:nvPr/>
-      </p:nvGrpSpPr>
-      <p:grpSpPr>
-        <a:xfrm>
-          <a:off x="0" y="0"/>
-          <a:ext cx="0" cy="0"/>
-          <a:chOff x="0" y="0"/>
-          <a:chExt cx="0" cy="0"/>
-        </a:xfrm>
-      </p:grpSpPr>
-      <p:pic>
-        <p:nvPicPr>
-          <p:cNvPr id="2050" name="Picture 2"/>
-          <p:cNvPicPr>
-            <a:picLocks noChangeAspect="1" noChangeArrowheads="1"/>
-          </p:cNvPicPr>
-          <p:nvPr/>
-        </p:nvPicPr>
-        <p:blipFill>
-          <a:blip r:embed="rId2">
-            <a:extLst>
-              <a:ext uri="{28A0092B-C50C-407E-A947-70E740481C1C}">
-                <a14:useLocalDpi xmlns:a14="http://schemas.microsoft.com/office/drawing/2010/main" val="0"/>
-              </a:ext>
-            </a:extLst>
-          </a:blip>
-          <a:srcRect/>
-          <a:stretch>
-            <a:fillRect/>
-          </a:stretch>
-        </p:blipFill>
-        <p:spPr bwMode="auto">
-          <a:xfrm>
-            <a:off x="2133600" y="533401"/>
-            <a:ext cx="4724400" cy="1647825"/>
-          </a:xfrm>
-          <a:prstGeom prst="rect">
-            <a:avLst/>
-          </a:prstGeom>
-          <a:noFill/>
-          <a:ln>
-            <a:noFill/>
-          </a:ln>
-          <a:extLst>
-            <a:ext uri="{909E8E84-426E-40DD-AFC4-6F175D3DCCD1}">
-              <a14:hiddenFill xmlns:a14="http://schemas.microsoft.com/office/drawing/2010/main">
-                <a:solidFill>
-                  <a:schemeClr val="accent1"/>
-                </a:solidFill>
-              </a14:hiddenFill>
-            </a:ext>
-            <a:ext uri="{91240B29-F687-4F45-9708-019B960494DF}">
-              <a14:hiddenLine xmlns:a14="http://schemas.microsoft.com/office/drawing/2010/main" w="9525">
-                <a:solidFill>
-                  <a:schemeClr val="tx1"/>
-                </a:solidFill>
-                <a:miter lim="800000"/>
-                <a:headEnd/>
-                <a:tailEnd/>
-              </a14:hiddenLine>
-            </a:ext>
-          </a:extLst>
-        </p:spPr>
-      </p:pic>
-      <p:pic>
-        <p:nvPicPr>
-          <p:cNvPr id="2051" name="Picture 3"/>
-          <p:cNvPicPr>
-            <a:picLocks noChangeAspect="1" noChangeArrowheads="1"/>
-          </p:cNvPicPr>
-          <p:nvPr/>
-        </p:nvPicPr>
-        <p:blipFill>
-          <a:blip r:embed="rId3">
-            <a:extLst>
-              <a:ext uri="{28A0092B-C50C-407E-A947-70E740481C1C}">
-                <a14:useLocalDpi xmlns:a14="http://schemas.microsoft.com/office/drawing/2010/main" val="0"/>
-              </a:ext>
-            </a:extLst>
-          </a:blip>
-          <a:srcRect/>
-          <a:stretch>
-            <a:fillRect/>
-          </a:stretch>
-        </p:blipFill>
-        <p:spPr bwMode="auto">
-          <a:xfrm>
-            <a:off x="4648200" y="2286001"/>
-            <a:ext cx="5638800" cy="4352925"/>
-          </a:xfrm>
-          <a:prstGeom prst="rect">
-            <a:avLst/>
-          </a:prstGeom>
-          <a:noFill/>
-          <a:ln>
-            <a:noFill/>
-          </a:ln>
-          <a:extLst>
-            <a:ext uri="{909E8E84-426E-40DD-AFC4-6F175D3DCCD1}">
-              <a14:hiddenFill xmlns:a14="http://schemas.microsoft.com/office/drawing/2010/main">
-                <a:solidFill>
-                  <a:schemeClr val="accent1"/>
-                </a:solidFill>
-              </a14:hiddenFill>
-            </a:ext>
-            <a:ext uri="{91240B29-F687-4F45-9708-019B960494DF}">
-              <a14:hiddenLine xmlns:a14="http://schemas.microsoft.com/office/drawing/2010/main" w="9525">
-                <a:solidFill>
-                  <a:schemeClr val="tx1"/>
-                </a:solidFill>
-                <a:miter lim="800000"/>
-                <a:headEnd/>
-                <a:tailEnd/>
-              </a14:hiddenLine>
-            </a:ext>
-          </a:extLst>
-        </p:spPr>
-      </p:pic>
-    </p:spTree>
-    <p:extLst>
-      <p:ext uri="{BB962C8B-B14F-4D97-AF65-F5344CB8AC3E}">
-        <p14:creationId xmlns:p14="http://schemas.microsoft.com/office/powerpoint/2010/main" val="670317418"/>
-      </p:ext>
-    </p:extLst>
-  </p:cSld>
-  <p:clrMapOvr>
-    <a:masterClrMapping/>
-  </p:clrMapOvr>
-</p:sld>
-</file>
-
-<file path=ppt/slides/slide29.xml><?xml version="1.0" encoding="utf-8"?>
-<p:sld xmlns:a="http://schemas.openxmlformats.org/drawingml/2006/main" xmlns:r="http://schemas.openxmlformats.org/officeDocument/2006/relationships" xmlns:p="http://schemas.openxmlformats.org/presentationml/2006/main">
-  <p:cSld>
-    <p:spTree>
-      <p:nvGrpSpPr>
-        <p:cNvPr id="1" name=""/>
-        <p:cNvGrpSpPr/>
-        <p:nvPr/>
-      </p:nvGrpSpPr>
-      <p:grpSpPr>
-        <a:xfrm>
-          <a:off x="0" y="0"/>
-          <a:ext cx="0" cy="0"/>
-          <a:chOff x="0" y="0"/>
-          <a:chExt cx="0" cy="0"/>
-        </a:xfrm>
-      </p:grpSpPr>
-      <p:pic>
-        <p:nvPicPr>
-          <p:cNvPr id="3074" name="Picture 2"/>
-          <p:cNvPicPr>
-            <a:picLocks noChangeAspect="1" noChangeArrowheads="1"/>
-          </p:cNvPicPr>
-          <p:nvPr/>
-        </p:nvPicPr>
-        <p:blipFill>
-          <a:blip r:embed="rId2">
-            <a:extLst>
-              <a:ext uri="{28A0092B-C50C-407E-A947-70E740481C1C}">
-                <a14:useLocalDpi xmlns:a14="http://schemas.microsoft.com/office/drawing/2010/main" val="0"/>
-              </a:ext>
-            </a:extLst>
-          </a:blip>
-          <a:srcRect/>
-          <a:stretch>
-            <a:fillRect/>
-          </a:stretch>
-        </p:blipFill>
-        <p:spPr bwMode="auto">
-          <a:xfrm>
-            <a:off x="3200401" y="1395413"/>
-            <a:ext cx="5610225" cy="4067175"/>
-          </a:xfrm>
-          <a:prstGeom prst="rect">
-            <a:avLst/>
-          </a:prstGeom>
-          <a:noFill/>
-          <a:ln>
-            <a:noFill/>
-          </a:ln>
-          <a:extLst>
-            <a:ext uri="{909E8E84-426E-40DD-AFC4-6F175D3DCCD1}">
-              <a14:hiddenFill xmlns:a14="http://schemas.microsoft.com/office/drawing/2010/main">
-                <a:solidFill>
-                  <a:schemeClr val="accent1"/>
-                </a:solidFill>
-              </a14:hiddenFill>
-            </a:ext>
-            <a:ext uri="{91240B29-F687-4F45-9708-019B960494DF}">
-              <a14:hiddenLine xmlns:a14="http://schemas.microsoft.com/office/drawing/2010/main" w="9525">
-                <a:solidFill>
-                  <a:schemeClr val="tx1"/>
-                </a:solidFill>
-                <a:miter lim="800000"/>
-                <a:headEnd/>
-                <a:tailEnd/>
-              </a14:hiddenLine>
-            </a:ext>
-          </a:extLst>
-        </p:spPr>
-      </p:pic>
-    </p:spTree>
-    <p:extLst>
-      <p:ext uri="{BB962C8B-B14F-4D97-AF65-F5344CB8AC3E}">
-        <p14:creationId xmlns:p14="http://schemas.microsoft.com/office/powerpoint/2010/main" val="2732922415"/>
+        <p14:creationId xmlns:p14="http://schemas.microsoft.com/office/powerpoint/2010/main" val="3743662308"/>
       </p:ext>
     </p:extLst>
   </p:cSld>
@@ -25794,100 +23897,6 @@
           </a:graphicData>
         </a:graphic>
       </p:graphicFrame>
-      <p:pic>
-        <p:nvPicPr>
-          <p:cNvPr id="2050" name="Chart 5">
-            <a:extLst>
-              <a:ext uri="{FF2B5EF4-FFF2-40B4-BE49-F238E27FC236}">
-                <a16:creationId xmlns:a16="http://schemas.microsoft.com/office/drawing/2014/main" id="{A9948016-7B21-29CD-B702-4BED3B624676}"/>
-              </a:ext>
-            </a:extLst>
-          </p:cNvPr>
-          <p:cNvPicPr>
-            <a:picLocks noChangeArrowheads="1"/>
-          </p:cNvPicPr>
-          <p:nvPr/>
-        </p:nvPicPr>
-        <p:blipFill>
-          <a:blip r:embed="rId4">
-            <a:extLst>
-              <a:ext uri="{28A0092B-C50C-407E-A947-70E740481C1C}">
-                <a14:useLocalDpi xmlns:a14="http://schemas.microsoft.com/office/drawing/2010/main" val="0"/>
-              </a:ext>
-            </a:extLst>
-          </a:blip>
-          <a:srcRect/>
-          <a:stretch>
-            <a:fillRect/>
-          </a:stretch>
-        </p:blipFill>
-        <p:spPr bwMode="auto">
-          <a:xfrm>
-            <a:off x="0" y="0"/>
-            <a:ext cx="2752725" cy="2295525"/>
-          </a:xfrm>
-          <a:prstGeom prst="rect">
-            <a:avLst/>
-          </a:prstGeom>
-          <a:noFill/>
-          <a:extLst>
-            <a:ext uri="{909E8E84-426E-40DD-AFC4-6F175D3DCCD1}">
-              <a14:hiddenFill xmlns:a14="http://schemas.microsoft.com/office/drawing/2010/main">
-                <a:solidFill>
-                  <a:srgbClr val="FFFFFF"/>
-                </a:solidFill>
-              </a14:hiddenFill>
-            </a:ext>
-          </a:extLst>
-        </p:spPr>
-      </p:pic>
-      <p:pic>
-        <p:nvPicPr>
-          <p:cNvPr id="2049" name="Chart 7">
-            <a:extLst>
-              <a:ext uri="{FF2B5EF4-FFF2-40B4-BE49-F238E27FC236}">
-                <a16:creationId xmlns:a16="http://schemas.microsoft.com/office/drawing/2014/main" id="{63630502-2712-6CC5-C866-E2B7CEAF526B}"/>
-              </a:ext>
-            </a:extLst>
-          </p:cNvPr>
-          <p:cNvPicPr>
-            <a:picLocks noChangeArrowheads="1"/>
-          </p:cNvPicPr>
-          <p:nvPr/>
-        </p:nvPicPr>
-        <p:blipFill>
-          <a:blip r:embed="rId5">
-            <a:extLst>
-              <a:ext uri="{28A0092B-C50C-407E-A947-70E740481C1C}">
-                <a14:useLocalDpi xmlns:a14="http://schemas.microsoft.com/office/drawing/2010/main" val="0"/>
-              </a:ext>
-            </a:extLst>
-          </a:blip>
-          <a:srcRect/>
-          <a:stretch>
-            <a:fillRect/>
-          </a:stretch>
-        </p:blipFill>
-        <p:spPr bwMode="auto">
-          <a:xfrm>
-            <a:off x="0" y="0"/>
-            <a:ext cx="2752725" cy="2295525"/>
-          </a:xfrm>
-          <a:prstGeom prst="rect">
-            <a:avLst/>
-          </a:prstGeom>
-          <a:noFill/>
-          <a:extLst>
-            <a:ext uri="{909E8E84-426E-40DD-AFC4-6F175D3DCCD1}">
-              <a14:hiddenFill xmlns:a14="http://schemas.microsoft.com/office/drawing/2010/main">
-                <a:solidFill>
-                  <a:srgbClr val="FFFFFF"/>
-                </a:solidFill>
-              </a14:hiddenFill>
-            </a:ext>
-          </a:extLst>
-        </p:spPr>
-      </p:pic>
     </p:spTree>
     <p:extLst>
       <p:ext uri="{BB962C8B-B14F-4D97-AF65-F5344CB8AC3E}">

--- a/Class Slides 2024/Class 12.pptx
+++ b/Class Slides 2024/Class 12.pptx
@@ -5,7 +5,7 @@
     <p:sldMasterId id="2147483648" r:id="rId1"/>
   </p:sldMasterIdLst>
   <p:notesMasterIdLst>
-    <p:notesMasterId r:id="rId26"/>
+    <p:notesMasterId r:id="rId24"/>
   </p:notesMasterIdLst>
   <p:sldIdLst>
     <p:sldId id="256" r:id="rId2"/>
@@ -29,9 +29,7 @@
     <p:sldId id="296" r:id="rId20"/>
     <p:sldId id="298" r:id="rId21"/>
     <p:sldId id="297" r:id="rId22"/>
-    <p:sldId id="264" r:id="rId23"/>
-    <p:sldId id="265" r:id="rId24"/>
-    <p:sldId id="260" r:id="rId25"/>
+    <p:sldId id="260" r:id="rId23"/>
   </p:sldIdLst>
   <p:sldSz cx="12192000" cy="6858000"/>
   <p:notesSz cx="7102475" cy="9388475"/>
@@ -12152,7 +12150,7 @@
           <a:p>
             <a:fld id="{591DC631-3D3D-49F1-A432-84A63795B8D6}" type="datetimeFigureOut">
               <a:rPr lang="en-US" smtClean="0"/>
-              <a:t>1/30/2024</a:t>
+              <a:t>2/1/2024</a:t>
             </a:fld>
             <a:endParaRPr lang="en-US"/>
           </a:p>
@@ -12419,192 +12417,6 @@
 </p:notesMaster>
 </file>
 
-<file path=ppt/notesSlides/notesSlide1.xml><?xml version="1.0" encoding="utf-8"?>
-<p:notes xmlns:a="http://schemas.openxmlformats.org/drawingml/2006/main" xmlns:r="http://schemas.openxmlformats.org/officeDocument/2006/relationships" xmlns:p="http://schemas.openxmlformats.org/presentationml/2006/main">
-  <p:cSld>
-    <p:spTree>
-      <p:nvGrpSpPr>
-        <p:cNvPr id="1" name=""/>
-        <p:cNvGrpSpPr/>
-        <p:nvPr/>
-      </p:nvGrpSpPr>
-      <p:grpSpPr>
-        <a:xfrm>
-          <a:off x="0" y="0"/>
-          <a:ext cx="0" cy="0"/>
-          <a:chOff x="0" y="0"/>
-          <a:chExt cx="0" cy="0"/>
-        </a:xfrm>
-      </p:grpSpPr>
-      <p:sp>
-        <p:nvSpPr>
-          <p:cNvPr id="40962" name="Rectangle 7"/>
-          <p:cNvSpPr>
-            <a:spLocks noGrp="1" noChangeArrowheads="1"/>
-          </p:cNvSpPr>
-          <p:nvPr>
-            <p:ph type="sldNum" sz="quarter" idx="5"/>
-          </p:nvPr>
-        </p:nvSpPr>
-        <p:spPr>
-          <a:noFill/>
-        </p:spPr>
-        <p:txBody>
-          <a:bodyPr/>
-          <a:lstStyle/>
-          <a:p>
-            <a:fld id="{3E400DAB-D642-4450-9FB8-7E8059C75B16}" type="slidenum">
-              <a:rPr lang="en-US" smtClean="0"/>
-              <a:pPr/>
-              <a:t>22</a:t>
-            </a:fld>
-            <a:endParaRPr lang="en-US"/>
-          </a:p>
-        </p:txBody>
-      </p:sp>
-      <p:sp>
-        <p:nvSpPr>
-          <p:cNvPr id="40963" name="Rectangle 2"/>
-          <p:cNvSpPr>
-            <a:spLocks noGrp="1" noRot="1" noChangeAspect="1" noChangeArrowheads="1" noTextEdit="1"/>
-          </p:cNvSpPr>
-          <p:nvPr>
-            <p:ph type="sldImg"/>
-          </p:nvPr>
-        </p:nvSpPr>
-        <p:spPr>
-          <a:ln/>
-        </p:spPr>
-      </p:sp>
-      <p:sp>
-        <p:nvSpPr>
-          <p:cNvPr id="40964" name="Rectangle 3"/>
-          <p:cNvSpPr>
-            <a:spLocks noGrp="1" noChangeArrowheads="1"/>
-          </p:cNvSpPr>
-          <p:nvPr>
-            <p:ph type="body" idx="1"/>
-          </p:nvPr>
-        </p:nvSpPr>
-        <p:spPr>
-          <a:noFill/>
-          <a:ln/>
-        </p:spPr>
-        <p:txBody>
-          <a:bodyPr/>
-          <a:lstStyle/>
-          <a:p>
-            <a:pPr eaLnBrk="1" hangingPunct="1"/>
-            <a:endParaRPr lang="en-US"/>
-          </a:p>
-        </p:txBody>
-      </p:sp>
-    </p:spTree>
-    <p:extLst>
-      <p:ext uri="{BB962C8B-B14F-4D97-AF65-F5344CB8AC3E}">
-        <p14:creationId xmlns:p14="http://schemas.microsoft.com/office/powerpoint/2010/main" val="422806644"/>
-      </p:ext>
-    </p:extLst>
-  </p:cSld>
-  <p:clrMapOvr>
-    <a:masterClrMapping/>
-  </p:clrMapOvr>
-</p:notes>
-</file>
-
-<file path=ppt/notesSlides/notesSlide2.xml><?xml version="1.0" encoding="utf-8"?>
-<p:notes xmlns:a="http://schemas.openxmlformats.org/drawingml/2006/main" xmlns:r="http://schemas.openxmlformats.org/officeDocument/2006/relationships" xmlns:p="http://schemas.openxmlformats.org/presentationml/2006/main">
-  <p:cSld>
-    <p:spTree>
-      <p:nvGrpSpPr>
-        <p:cNvPr id="1" name=""/>
-        <p:cNvGrpSpPr/>
-        <p:nvPr/>
-      </p:nvGrpSpPr>
-      <p:grpSpPr>
-        <a:xfrm>
-          <a:off x="0" y="0"/>
-          <a:ext cx="0" cy="0"/>
-          <a:chOff x="0" y="0"/>
-          <a:chExt cx="0" cy="0"/>
-        </a:xfrm>
-      </p:grpSpPr>
-      <p:sp>
-        <p:nvSpPr>
-          <p:cNvPr id="41986" name="Rectangle 7"/>
-          <p:cNvSpPr>
-            <a:spLocks noGrp="1" noChangeArrowheads="1"/>
-          </p:cNvSpPr>
-          <p:nvPr>
-            <p:ph type="sldNum" sz="quarter" idx="5"/>
-          </p:nvPr>
-        </p:nvSpPr>
-        <p:spPr>
-          <a:noFill/>
-        </p:spPr>
-        <p:txBody>
-          <a:bodyPr/>
-          <a:lstStyle/>
-          <a:p>
-            <a:fld id="{ED835882-5389-4FD0-8253-4B5D9C1C44F0}" type="slidenum">
-              <a:rPr lang="en-US" smtClean="0"/>
-              <a:pPr/>
-              <a:t>23</a:t>
-            </a:fld>
-            <a:endParaRPr lang="en-US"/>
-          </a:p>
-        </p:txBody>
-      </p:sp>
-      <p:sp>
-        <p:nvSpPr>
-          <p:cNvPr id="41987" name="Rectangle 2"/>
-          <p:cNvSpPr>
-            <a:spLocks noGrp="1" noRot="1" noChangeAspect="1" noChangeArrowheads="1" noTextEdit="1"/>
-          </p:cNvSpPr>
-          <p:nvPr>
-            <p:ph type="sldImg"/>
-          </p:nvPr>
-        </p:nvSpPr>
-        <p:spPr>
-          <a:ln/>
-        </p:spPr>
-      </p:sp>
-      <p:sp>
-        <p:nvSpPr>
-          <p:cNvPr id="41988" name="Rectangle 3"/>
-          <p:cNvSpPr>
-            <a:spLocks noGrp="1" noChangeArrowheads="1"/>
-          </p:cNvSpPr>
-          <p:nvPr>
-            <p:ph type="body" idx="1"/>
-          </p:nvPr>
-        </p:nvSpPr>
-        <p:spPr>
-          <a:noFill/>
-          <a:ln/>
-        </p:spPr>
-        <p:txBody>
-          <a:bodyPr/>
-          <a:lstStyle/>
-          <a:p>
-            <a:pPr eaLnBrk="1" hangingPunct="1"/>
-            <a:endParaRPr lang="en-US"/>
-          </a:p>
-        </p:txBody>
-      </p:sp>
-    </p:spTree>
-    <p:extLst>
-      <p:ext uri="{BB962C8B-B14F-4D97-AF65-F5344CB8AC3E}">
-        <p14:creationId xmlns:p14="http://schemas.microsoft.com/office/powerpoint/2010/main" val="911337627"/>
-      </p:ext>
-    </p:extLst>
-  </p:cSld>
-  <p:clrMapOvr>
-    <a:masterClrMapping/>
-  </p:clrMapOvr>
-</p:notes>
-</file>
-
 <file path=ppt/slideLayouts/slideLayout1.xml><?xml version="1.0" encoding="utf-8"?>
 <p:sldLayout xmlns:a="http://schemas.openxmlformats.org/drawingml/2006/main" xmlns:r="http://schemas.openxmlformats.org/officeDocument/2006/relationships" xmlns:p="http://schemas.openxmlformats.org/presentationml/2006/main" type="title" preserve="1">
   <p:cSld name="Title Slide">
@@ -12752,7 +12564,7 @@
           <a:p>
             <a:fld id="{8DA85D94-39CF-4B52-B4FA-541810832B41}" type="datetimeFigureOut">
               <a:rPr lang="en-US" smtClean="0"/>
-              <a:t>1/30/2024</a:t>
+              <a:t>2/1/2024</a:t>
             </a:fld>
             <a:endParaRPr lang="en-US"/>
           </a:p>
@@ -12950,7 +12762,7 @@
           <a:p>
             <a:fld id="{8DA85D94-39CF-4B52-B4FA-541810832B41}" type="datetimeFigureOut">
               <a:rPr lang="en-US" smtClean="0"/>
-              <a:t>1/30/2024</a:t>
+              <a:t>2/1/2024</a:t>
             </a:fld>
             <a:endParaRPr lang="en-US"/>
           </a:p>
@@ -13158,7 +12970,7 @@
           <a:p>
             <a:fld id="{8DA85D94-39CF-4B52-B4FA-541810832B41}" type="datetimeFigureOut">
               <a:rPr lang="en-US" smtClean="0"/>
-              <a:t>1/30/2024</a:t>
+              <a:t>2/1/2024</a:t>
             </a:fld>
             <a:endParaRPr lang="en-US"/>
           </a:p>
@@ -13356,7 +13168,7 @@
           <a:p>
             <a:fld id="{8DA85D94-39CF-4B52-B4FA-541810832B41}" type="datetimeFigureOut">
               <a:rPr lang="en-US" smtClean="0"/>
-              <a:t>1/30/2024</a:t>
+              <a:t>2/1/2024</a:t>
             </a:fld>
             <a:endParaRPr lang="en-US"/>
           </a:p>
@@ -13631,7 +13443,7 @@
           <a:p>
             <a:fld id="{8DA85D94-39CF-4B52-B4FA-541810832B41}" type="datetimeFigureOut">
               <a:rPr lang="en-US" smtClean="0"/>
-              <a:t>1/30/2024</a:t>
+              <a:t>2/1/2024</a:t>
             </a:fld>
             <a:endParaRPr lang="en-US"/>
           </a:p>
@@ -13896,7 +13708,7 @@
           <a:p>
             <a:fld id="{8DA85D94-39CF-4B52-B4FA-541810832B41}" type="datetimeFigureOut">
               <a:rPr lang="en-US" smtClean="0"/>
-              <a:t>1/30/2024</a:t>
+              <a:t>2/1/2024</a:t>
             </a:fld>
             <a:endParaRPr lang="en-US"/>
           </a:p>
@@ -14308,7 +14120,7 @@
           <a:p>
             <a:fld id="{8DA85D94-39CF-4B52-B4FA-541810832B41}" type="datetimeFigureOut">
               <a:rPr lang="en-US" smtClean="0"/>
-              <a:t>1/30/2024</a:t>
+              <a:t>2/1/2024</a:t>
             </a:fld>
             <a:endParaRPr lang="en-US"/>
           </a:p>
@@ -14449,7 +14261,7 @@
           <a:p>
             <a:fld id="{8DA85D94-39CF-4B52-B4FA-541810832B41}" type="datetimeFigureOut">
               <a:rPr lang="en-US" smtClean="0"/>
-              <a:t>1/30/2024</a:t>
+              <a:t>2/1/2024</a:t>
             </a:fld>
             <a:endParaRPr lang="en-US"/>
           </a:p>
@@ -14562,7 +14374,7 @@
           <a:p>
             <a:fld id="{8DA85D94-39CF-4B52-B4FA-541810832B41}" type="datetimeFigureOut">
               <a:rPr lang="en-US" smtClean="0"/>
-              <a:t>1/30/2024</a:t>
+              <a:t>2/1/2024</a:t>
             </a:fld>
             <a:endParaRPr lang="en-US"/>
           </a:p>
@@ -14873,7 +14685,7 @@
           <a:p>
             <a:fld id="{8DA85D94-39CF-4B52-B4FA-541810832B41}" type="datetimeFigureOut">
               <a:rPr lang="en-US" smtClean="0"/>
-              <a:t>1/30/2024</a:t>
+              <a:t>2/1/2024</a:t>
             </a:fld>
             <a:endParaRPr lang="en-US"/>
           </a:p>
@@ -15161,7 +14973,7 @@
           <a:p>
             <a:fld id="{8DA85D94-39CF-4B52-B4FA-541810832B41}" type="datetimeFigureOut">
               <a:rPr lang="en-US" smtClean="0"/>
-              <a:t>1/30/2024</a:t>
+              <a:t>2/1/2024</a:t>
             </a:fld>
             <a:endParaRPr lang="en-US"/>
           </a:p>
@@ -15402,7 +15214,7 @@
           <a:p>
             <a:fld id="{8DA85D94-39CF-4B52-B4FA-541810832B41}" type="datetimeFigureOut">
               <a:rPr lang="en-US" smtClean="0"/>
-              <a:t>1/30/2024</a:t>
+              <a:t>2/1/2024</a:t>
             </a:fld>
             <a:endParaRPr lang="en-US"/>
           </a:p>
@@ -21125,1265 +20937,6 @@
       </p:grpSpPr>
       <p:sp>
         <p:nvSpPr>
-          <p:cNvPr id="18434" name="Rectangle 2"/>
-          <p:cNvSpPr>
-            <a:spLocks noGrp="1" noChangeArrowheads="1"/>
-          </p:cNvSpPr>
-          <p:nvPr>
-            <p:ph type="title"/>
-          </p:nvPr>
-        </p:nvSpPr>
-        <p:spPr/>
-        <p:txBody>
-          <a:bodyPr/>
-          <a:lstStyle/>
-          <a:p>
-            <a:pPr eaLnBrk="1" hangingPunct="1"/>
-            <a:r>
-              <a:rPr lang="en-US" dirty="0"/>
-              <a:t>The grass is always greener on the other side</a:t>
-            </a:r>
-          </a:p>
-        </p:txBody>
-      </p:sp>
-      <p:sp>
-        <p:nvSpPr>
-          <p:cNvPr id="18435" name="Rectangle 3"/>
-          <p:cNvSpPr>
-            <a:spLocks noGrp="1" noChangeArrowheads="1"/>
-          </p:cNvSpPr>
-          <p:nvPr>
-            <p:ph type="body" idx="1"/>
-          </p:nvPr>
-        </p:nvSpPr>
-        <p:spPr/>
-        <p:txBody>
-          <a:bodyPr/>
-          <a:lstStyle/>
-          <a:p>
-            <a:pPr eaLnBrk="1" hangingPunct="1"/>
-            <a:r>
-              <a:rPr lang="en-US" dirty="0"/>
-              <a:t>Design a 2x2 between-participants factorial experiment to test the everyday meaning of this aphorism.  </a:t>
-            </a:r>
-          </a:p>
-          <a:p>
-            <a:pPr eaLnBrk="1" hangingPunct="1"/>
-            <a:r>
-              <a:rPr lang="en-US" dirty="0"/>
-              <a:t>Use subjects high and low in optimism as one factor in the design.</a:t>
-            </a:r>
-          </a:p>
-          <a:p>
-            <a:pPr eaLnBrk="1" hangingPunct="1"/>
-            <a:r>
-              <a:rPr lang="en-US" dirty="0"/>
-              <a:t>Give predicted results consistent with the idea that the grass on the other side will look greener and it will look particularly greener to optimists.</a:t>
-            </a:r>
-          </a:p>
-        </p:txBody>
-      </p:sp>
-    </p:spTree>
-    <p:extLst>
-      <p:ext uri="{BB962C8B-B14F-4D97-AF65-F5344CB8AC3E}">
-        <p14:creationId xmlns:p14="http://schemas.microsoft.com/office/powerpoint/2010/main" val="313001261"/>
-      </p:ext>
-    </p:extLst>
-  </p:cSld>
-  <p:clrMapOvr>
-    <a:masterClrMapping/>
-  </p:clrMapOvr>
-</p:sld>
-</file>
-
-<file path=ppt/slides/slide23.xml><?xml version="1.0" encoding="utf-8"?>
-<p:sld xmlns:a="http://schemas.openxmlformats.org/drawingml/2006/main" xmlns:r="http://schemas.openxmlformats.org/officeDocument/2006/relationships" xmlns:p="http://schemas.openxmlformats.org/presentationml/2006/main">
-  <p:cSld>
-    <p:spTree>
-      <p:nvGrpSpPr>
-        <p:cNvPr id="1" name=""/>
-        <p:cNvGrpSpPr/>
-        <p:nvPr/>
-      </p:nvGrpSpPr>
-      <p:grpSpPr>
-        <a:xfrm>
-          <a:off x="0" y="0"/>
-          <a:ext cx="0" cy="0"/>
-          <a:chOff x="0" y="0"/>
-          <a:chExt cx="0" cy="0"/>
-        </a:xfrm>
-      </p:grpSpPr>
-      <p:graphicFrame>
-        <p:nvGraphicFramePr>
-          <p:cNvPr id="49154" name="Group 2"/>
-          <p:cNvGraphicFramePr>
-            <a:graphicFrameLocks noGrp="1"/>
-          </p:cNvGraphicFramePr>
-          <p:nvPr/>
-        </p:nvGraphicFramePr>
-        <p:xfrm>
-          <a:off x="1828800" y="228600"/>
-          <a:ext cx="4038600" cy="2781300"/>
-        </p:xfrm>
-        <a:graphic>
-          <a:graphicData uri="http://schemas.openxmlformats.org/drawingml/2006/table">
-            <a:tbl>
-              <a:tblPr/>
-              <a:tblGrid>
-                <a:gridCol w="1676400">
-                  <a:extLst>
-                    <a:ext uri="{9D8B030D-6E8A-4147-A177-3AD203B41FA5}">
-                      <a16:colId xmlns:a16="http://schemas.microsoft.com/office/drawing/2014/main" val="20000"/>
-                    </a:ext>
-                  </a:extLst>
-                </a:gridCol>
-                <a:gridCol w="1143000">
-                  <a:extLst>
-                    <a:ext uri="{9D8B030D-6E8A-4147-A177-3AD203B41FA5}">
-                      <a16:colId xmlns:a16="http://schemas.microsoft.com/office/drawing/2014/main" val="20001"/>
-                    </a:ext>
-                  </a:extLst>
-                </a:gridCol>
-                <a:gridCol w="1219200">
-                  <a:extLst>
-                    <a:ext uri="{9D8B030D-6E8A-4147-A177-3AD203B41FA5}">
-                      <a16:colId xmlns:a16="http://schemas.microsoft.com/office/drawing/2014/main" val="20002"/>
-                    </a:ext>
-                  </a:extLst>
-                </a:gridCol>
-              </a:tblGrid>
-              <a:tr h="1016000">
-                <a:tc>
-                  <a:txBody>
-                    <a:bodyPr/>
-                    <a:lstStyle/>
-                    <a:p>
-                      <a:pPr marL="0" marR="0" lvl="0" indent="0" algn="l" defTabSz="914400" rtl="0" eaLnBrk="1" fontAlgn="base" latinLnBrk="0" hangingPunct="1">
-                        <a:lnSpc>
-                          <a:spcPct val="100000"/>
-                        </a:lnSpc>
-                        <a:spcBef>
-                          <a:spcPct val="20000"/>
-                        </a:spcBef>
-                        <a:spcAft>
-                          <a:spcPct val="0"/>
-                        </a:spcAft>
-                        <a:buClrTx/>
-                        <a:buSzTx/>
-                        <a:buFontTx/>
-                        <a:buNone/>
-                        <a:tabLst/>
-                      </a:pPr>
-                      <a:endParaRPr kumimoji="0" lang="en-US" sz="2400" b="0" i="0" u="none" strike="noStrike" cap="none" normalizeH="0" baseline="0">
-                        <a:ln>
-                          <a:noFill/>
-                        </a:ln>
-                        <a:solidFill>
-                          <a:schemeClr val="tx1"/>
-                        </a:solidFill>
-                        <a:effectLst/>
-                        <a:latin typeface="Arial" charset="0"/>
-                      </a:endParaRPr>
-                    </a:p>
-                  </a:txBody>
-                  <a:tcPr horzOverflow="overflow">
-                    <a:lnL w="28575" cap="flat" cmpd="sng" algn="ctr">
-                      <a:solidFill>
-                        <a:schemeClr val="tx1"/>
-                      </a:solidFill>
-                      <a:prstDash val="solid"/>
-                      <a:round/>
-                      <a:headEnd type="none" w="med" len="med"/>
-                      <a:tailEnd type="none" w="med" len="med"/>
-                    </a:lnL>
-                    <a:lnR w="12700" cap="flat" cmpd="sng" algn="ctr">
-                      <a:solidFill>
-                        <a:schemeClr val="tx1"/>
-                      </a:solidFill>
-                      <a:prstDash val="solid"/>
-                      <a:round/>
-                      <a:headEnd type="none" w="med" len="med"/>
-                      <a:tailEnd type="none" w="med" len="med"/>
-                    </a:lnR>
-                    <a:lnT w="28575" cap="flat" cmpd="sng" algn="ctr">
-                      <a:solidFill>
-                        <a:schemeClr val="tx1"/>
-                      </a:solidFill>
-                      <a:prstDash val="solid"/>
-                      <a:round/>
-                      <a:headEnd type="none" w="med" len="med"/>
-                      <a:tailEnd type="none" w="med" len="med"/>
-                    </a:lnT>
-                    <a:lnB w="12700" cap="flat" cmpd="sng" algn="ctr">
-                      <a:solidFill>
-                        <a:schemeClr val="tx1"/>
-                      </a:solidFill>
-                      <a:prstDash val="solid"/>
-                      <a:round/>
-                      <a:headEnd type="none" w="med" len="med"/>
-                      <a:tailEnd type="none" w="med" len="med"/>
-                    </a:lnB>
-                    <a:lnTlToBr>
-                      <a:noFill/>
-                    </a:lnTlToBr>
-                    <a:lnBlToTr>
-                      <a:noFill/>
-                    </a:lnBlToTr>
-                    <a:noFill/>
-                  </a:tcPr>
-                </a:tc>
-                <a:tc>
-                  <a:txBody>
-                    <a:bodyPr/>
-                    <a:lstStyle/>
-                    <a:p>
-                      <a:pPr marL="0" marR="0" lvl="0" indent="0" algn="ctr" defTabSz="914400" rtl="0" eaLnBrk="1" fontAlgn="base" latinLnBrk="0" hangingPunct="1">
-                        <a:lnSpc>
-                          <a:spcPct val="100000"/>
-                        </a:lnSpc>
-                        <a:spcBef>
-                          <a:spcPct val="20000"/>
-                        </a:spcBef>
-                        <a:spcAft>
-                          <a:spcPct val="0"/>
-                        </a:spcAft>
-                        <a:buClrTx/>
-                        <a:buSzTx/>
-                        <a:buFontTx/>
-                        <a:buNone/>
-                        <a:tabLst/>
-                      </a:pPr>
-                      <a:r>
-                        <a:rPr kumimoji="0" lang="en-US" sz="2400" b="0" i="0" u="none" strike="noStrike" cap="none" normalizeH="0" baseline="0">
-                          <a:ln>
-                            <a:noFill/>
-                          </a:ln>
-                          <a:solidFill>
-                            <a:schemeClr val="tx1"/>
-                          </a:solidFill>
-                          <a:effectLst/>
-                          <a:latin typeface="Arial" charset="0"/>
-                        </a:rPr>
-                        <a:t>Near</a:t>
-                      </a:r>
-                    </a:p>
-                  </a:txBody>
-                  <a:tcPr horzOverflow="overflow">
-                    <a:lnL w="12700" cap="flat" cmpd="sng" algn="ctr">
-                      <a:solidFill>
-                        <a:schemeClr val="tx1"/>
-                      </a:solidFill>
-                      <a:prstDash val="solid"/>
-                      <a:round/>
-                      <a:headEnd type="none" w="med" len="med"/>
-                      <a:tailEnd type="none" w="med" len="med"/>
-                    </a:lnL>
-                    <a:lnR w="12700" cap="flat" cmpd="sng" algn="ctr">
-                      <a:solidFill>
-                        <a:schemeClr val="tx1"/>
-                      </a:solidFill>
-                      <a:prstDash val="solid"/>
-                      <a:round/>
-                      <a:headEnd type="none" w="med" len="med"/>
-                      <a:tailEnd type="none" w="med" len="med"/>
-                    </a:lnR>
-                    <a:lnT w="28575" cap="flat" cmpd="sng" algn="ctr">
-                      <a:solidFill>
-                        <a:schemeClr val="tx1"/>
-                      </a:solidFill>
-                      <a:prstDash val="solid"/>
-                      <a:round/>
-                      <a:headEnd type="none" w="med" len="med"/>
-                      <a:tailEnd type="none" w="med" len="med"/>
-                    </a:lnT>
-                    <a:lnB w="12700" cap="flat" cmpd="sng" algn="ctr">
-                      <a:solidFill>
-                        <a:schemeClr val="tx1"/>
-                      </a:solidFill>
-                      <a:prstDash val="solid"/>
-                      <a:round/>
-                      <a:headEnd type="none" w="med" len="med"/>
-                      <a:tailEnd type="none" w="med" len="med"/>
-                    </a:lnB>
-                    <a:lnTlToBr>
-                      <a:noFill/>
-                    </a:lnTlToBr>
-                    <a:lnBlToTr>
-                      <a:noFill/>
-                    </a:lnBlToTr>
-                    <a:noFill/>
-                  </a:tcPr>
-                </a:tc>
-                <a:tc>
-                  <a:txBody>
-                    <a:bodyPr/>
-                    <a:lstStyle/>
-                    <a:p>
-                      <a:pPr marL="0" marR="0" lvl="0" indent="0" algn="ctr" defTabSz="914400" rtl="0" eaLnBrk="1" fontAlgn="base" latinLnBrk="0" hangingPunct="1">
-                        <a:lnSpc>
-                          <a:spcPct val="100000"/>
-                        </a:lnSpc>
-                        <a:spcBef>
-                          <a:spcPct val="20000"/>
-                        </a:spcBef>
-                        <a:spcAft>
-                          <a:spcPct val="0"/>
-                        </a:spcAft>
-                        <a:buClrTx/>
-                        <a:buSzTx/>
-                        <a:buFontTx/>
-                        <a:buNone/>
-                        <a:tabLst/>
-                      </a:pPr>
-                      <a:r>
-                        <a:rPr kumimoji="0" lang="en-US" sz="2400" b="0" i="0" u="none" strike="noStrike" cap="none" normalizeH="0" baseline="0">
-                          <a:ln>
-                            <a:noFill/>
-                          </a:ln>
-                          <a:solidFill>
-                            <a:schemeClr val="tx1"/>
-                          </a:solidFill>
-                          <a:effectLst/>
-                          <a:latin typeface="Arial" charset="0"/>
-                        </a:rPr>
-                        <a:t>Far</a:t>
-                      </a:r>
-                    </a:p>
-                  </a:txBody>
-                  <a:tcPr horzOverflow="overflow">
-                    <a:lnL w="12700" cap="flat" cmpd="sng" algn="ctr">
-                      <a:solidFill>
-                        <a:schemeClr val="tx1"/>
-                      </a:solidFill>
-                      <a:prstDash val="solid"/>
-                      <a:round/>
-                      <a:headEnd type="none" w="med" len="med"/>
-                      <a:tailEnd type="none" w="med" len="med"/>
-                    </a:lnL>
-                    <a:lnR w="28575" cap="flat" cmpd="sng" algn="ctr">
-                      <a:solidFill>
-                        <a:schemeClr val="tx1"/>
-                      </a:solidFill>
-                      <a:prstDash val="solid"/>
-                      <a:round/>
-                      <a:headEnd type="none" w="med" len="med"/>
-                      <a:tailEnd type="none" w="med" len="med"/>
-                    </a:lnR>
-                    <a:lnT w="28575" cap="flat" cmpd="sng" algn="ctr">
-                      <a:solidFill>
-                        <a:schemeClr val="tx1"/>
-                      </a:solidFill>
-                      <a:prstDash val="solid"/>
-                      <a:round/>
-                      <a:headEnd type="none" w="med" len="med"/>
-                      <a:tailEnd type="none" w="med" len="med"/>
-                    </a:lnT>
-                    <a:lnB w="12700" cap="flat" cmpd="sng" algn="ctr">
-                      <a:solidFill>
-                        <a:schemeClr val="tx1"/>
-                      </a:solidFill>
-                      <a:prstDash val="solid"/>
-                      <a:round/>
-                      <a:headEnd type="none" w="med" len="med"/>
-                      <a:tailEnd type="none" w="med" len="med"/>
-                    </a:lnB>
-                    <a:lnTlToBr>
-                      <a:noFill/>
-                    </a:lnTlToBr>
-                    <a:lnBlToTr>
-                      <a:noFill/>
-                    </a:lnBlToTr>
-                    <a:noFill/>
-                  </a:tcPr>
-                </a:tc>
-                <a:extLst>
-                  <a:ext uri="{0D108BD9-81ED-4DB2-BD59-A6C34878D82A}">
-                    <a16:rowId xmlns:a16="http://schemas.microsoft.com/office/drawing/2014/main" val="10000"/>
-                  </a:ext>
-                </a:extLst>
-              </a:tr>
-              <a:tr h="882650">
-                <a:tc>
-                  <a:txBody>
-                    <a:bodyPr/>
-                    <a:lstStyle/>
-                    <a:p>
-                      <a:pPr marL="0" marR="0" lvl="0" indent="0" algn="l" defTabSz="914400" rtl="0" eaLnBrk="1" fontAlgn="base" latinLnBrk="0" hangingPunct="1">
-                        <a:lnSpc>
-                          <a:spcPct val="100000"/>
-                        </a:lnSpc>
-                        <a:spcBef>
-                          <a:spcPct val="20000"/>
-                        </a:spcBef>
-                        <a:spcAft>
-                          <a:spcPct val="0"/>
-                        </a:spcAft>
-                        <a:buClrTx/>
-                        <a:buSzTx/>
-                        <a:buFontTx/>
-                        <a:buNone/>
-                        <a:tabLst/>
-                      </a:pPr>
-                      <a:r>
-                        <a:rPr kumimoji="0" lang="en-US" sz="2400" b="0" i="0" u="none" strike="noStrike" cap="none" normalizeH="0" baseline="0">
-                          <a:ln>
-                            <a:noFill/>
-                          </a:ln>
-                          <a:solidFill>
-                            <a:schemeClr val="tx1"/>
-                          </a:solidFill>
-                          <a:effectLst/>
-                          <a:latin typeface="Arial" charset="0"/>
-                        </a:rPr>
-                        <a:t>Optimists</a:t>
-                      </a:r>
-                    </a:p>
-                  </a:txBody>
-                  <a:tcPr horzOverflow="overflow">
-                    <a:lnL w="28575" cap="flat" cmpd="sng" algn="ctr">
-                      <a:solidFill>
-                        <a:schemeClr val="tx1"/>
-                      </a:solidFill>
-                      <a:prstDash val="solid"/>
-                      <a:round/>
-                      <a:headEnd type="none" w="med" len="med"/>
-                      <a:tailEnd type="none" w="med" len="med"/>
-                    </a:lnL>
-                    <a:lnR w="12700" cap="flat" cmpd="sng" algn="ctr">
-                      <a:solidFill>
-                        <a:schemeClr val="tx1"/>
-                      </a:solidFill>
-                      <a:prstDash val="solid"/>
-                      <a:round/>
-                      <a:headEnd type="none" w="med" len="med"/>
-                      <a:tailEnd type="none" w="med" len="med"/>
-                    </a:lnR>
-                    <a:lnT w="12700" cap="flat" cmpd="sng" algn="ctr">
-                      <a:solidFill>
-                        <a:schemeClr val="tx1"/>
-                      </a:solidFill>
-                      <a:prstDash val="solid"/>
-                      <a:round/>
-                      <a:headEnd type="none" w="med" len="med"/>
-                      <a:tailEnd type="none" w="med" len="med"/>
-                    </a:lnT>
-                    <a:lnB w="12700" cap="flat" cmpd="sng" algn="ctr">
-                      <a:solidFill>
-                        <a:schemeClr val="tx1"/>
-                      </a:solidFill>
-                      <a:prstDash val="solid"/>
-                      <a:round/>
-                      <a:headEnd type="none" w="med" len="med"/>
-                      <a:tailEnd type="none" w="med" len="med"/>
-                    </a:lnB>
-                    <a:lnTlToBr>
-                      <a:noFill/>
-                    </a:lnTlToBr>
-                    <a:lnBlToTr>
-                      <a:noFill/>
-                    </a:lnBlToTr>
-                    <a:noFill/>
-                  </a:tcPr>
-                </a:tc>
-                <a:tc>
-                  <a:txBody>
-                    <a:bodyPr/>
-                    <a:lstStyle/>
-                    <a:p>
-                      <a:pPr marL="0" marR="0" lvl="0" indent="0" algn="l" defTabSz="914400" rtl="0" eaLnBrk="1" fontAlgn="base" latinLnBrk="0" hangingPunct="1">
-                        <a:lnSpc>
-                          <a:spcPct val="100000"/>
-                        </a:lnSpc>
-                        <a:spcBef>
-                          <a:spcPct val="20000"/>
-                        </a:spcBef>
-                        <a:spcAft>
-                          <a:spcPct val="0"/>
-                        </a:spcAft>
-                        <a:buClrTx/>
-                        <a:buSzTx/>
-                        <a:buFontTx/>
-                        <a:buNone/>
-                        <a:tabLst/>
-                      </a:pPr>
-                      <a:endParaRPr kumimoji="0" lang="en-US" sz="2400" b="0" i="0" u="none" strike="noStrike" cap="none" normalizeH="0" baseline="0">
-                        <a:ln>
-                          <a:noFill/>
-                        </a:ln>
-                        <a:solidFill>
-                          <a:schemeClr val="tx1"/>
-                        </a:solidFill>
-                        <a:effectLst/>
-                        <a:latin typeface="Arial" charset="0"/>
-                      </a:endParaRPr>
-                    </a:p>
-                  </a:txBody>
-                  <a:tcPr horzOverflow="overflow">
-                    <a:lnL w="12700" cap="flat" cmpd="sng" algn="ctr">
-                      <a:solidFill>
-                        <a:schemeClr val="tx1"/>
-                      </a:solidFill>
-                      <a:prstDash val="solid"/>
-                      <a:round/>
-                      <a:headEnd type="none" w="med" len="med"/>
-                      <a:tailEnd type="none" w="med" len="med"/>
-                    </a:lnL>
-                    <a:lnR w="12700" cap="flat" cmpd="sng" algn="ctr">
-                      <a:solidFill>
-                        <a:schemeClr val="tx1"/>
-                      </a:solidFill>
-                      <a:prstDash val="solid"/>
-                      <a:round/>
-                      <a:headEnd type="none" w="med" len="med"/>
-                      <a:tailEnd type="none" w="med" len="med"/>
-                    </a:lnR>
-                    <a:lnT w="12700" cap="flat" cmpd="sng" algn="ctr">
-                      <a:solidFill>
-                        <a:schemeClr val="tx1"/>
-                      </a:solidFill>
-                      <a:prstDash val="solid"/>
-                      <a:round/>
-                      <a:headEnd type="none" w="med" len="med"/>
-                      <a:tailEnd type="none" w="med" len="med"/>
-                    </a:lnT>
-                    <a:lnB w="12700" cap="flat" cmpd="sng" algn="ctr">
-                      <a:solidFill>
-                        <a:schemeClr val="tx1"/>
-                      </a:solidFill>
-                      <a:prstDash val="solid"/>
-                      <a:round/>
-                      <a:headEnd type="none" w="med" len="med"/>
-                      <a:tailEnd type="none" w="med" len="med"/>
-                    </a:lnB>
-                    <a:lnTlToBr>
-                      <a:noFill/>
-                    </a:lnTlToBr>
-                    <a:lnBlToTr>
-                      <a:noFill/>
-                    </a:lnBlToTr>
-                    <a:noFill/>
-                  </a:tcPr>
-                </a:tc>
-                <a:tc>
-                  <a:txBody>
-                    <a:bodyPr/>
-                    <a:lstStyle/>
-                    <a:p>
-                      <a:pPr marL="0" marR="0" lvl="0" indent="0" algn="l" defTabSz="914400" rtl="0" eaLnBrk="1" fontAlgn="base" latinLnBrk="0" hangingPunct="1">
-                        <a:lnSpc>
-                          <a:spcPct val="100000"/>
-                        </a:lnSpc>
-                        <a:spcBef>
-                          <a:spcPct val="20000"/>
-                        </a:spcBef>
-                        <a:spcAft>
-                          <a:spcPct val="0"/>
-                        </a:spcAft>
-                        <a:buClrTx/>
-                        <a:buSzTx/>
-                        <a:buFontTx/>
-                        <a:buNone/>
-                        <a:tabLst/>
-                      </a:pPr>
-                      <a:endParaRPr kumimoji="0" lang="en-US" sz="2400" b="0" i="0" u="none" strike="noStrike" cap="none" normalizeH="0" baseline="0">
-                        <a:ln>
-                          <a:noFill/>
-                        </a:ln>
-                        <a:solidFill>
-                          <a:schemeClr val="tx1"/>
-                        </a:solidFill>
-                        <a:effectLst/>
-                        <a:latin typeface="Arial" charset="0"/>
-                      </a:endParaRPr>
-                    </a:p>
-                  </a:txBody>
-                  <a:tcPr horzOverflow="overflow">
-                    <a:lnL w="12700" cap="flat" cmpd="sng" algn="ctr">
-                      <a:solidFill>
-                        <a:schemeClr val="tx1"/>
-                      </a:solidFill>
-                      <a:prstDash val="solid"/>
-                      <a:round/>
-                      <a:headEnd type="none" w="med" len="med"/>
-                      <a:tailEnd type="none" w="med" len="med"/>
-                    </a:lnL>
-                    <a:lnR w="28575" cap="flat" cmpd="sng" algn="ctr">
-                      <a:solidFill>
-                        <a:schemeClr val="tx1"/>
-                      </a:solidFill>
-                      <a:prstDash val="solid"/>
-                      <a:round/>
-                      <a:headEnd type="none" w="med" len="med"/>
-                      <a:tailEnd type="none" w="med" len="med"/>
-                    </a:lnR>
-                    <a:lnT w="12700" cap="flat" cmpd="sng" algn="ctr">
-                      <a:solidFill>
-                        <a:schemeClr val="tx1"/>
-                      </a:solidFill>
-                      <a:prstDash val="solid"/>
-                      <a:round/>
-                      <a:headEnd type="none" w="med" len="med"/>
-                      <a:tailEnd type="none" w="med" len="med"/>
-                    </a:lnT>
-                    <a:lnB w="12700" cap="flat" cmpd="sng" algn="ctr">
-                      <a:solidFill>
-                        <a:schemeClr val="tx1"/>
-                      </a:solidFill>
-                      <a:prstDash val="solid"/>
-                      <a:round/>
-                      <a:headEnd type="none" w="med" len="med"/>
-                      <a:tailEnd type="none" w="med" len="med"/>
-                    </a:lnB>
-                    <a:lnTlToBr>
-                      <a:noFill/>
-                    </a:lnTlToBr>
-                    <a:lnBlToTr>
-                      <a:noFill/>
-                    </a:lnBlToTr>
-                    <a:noFill/>
-                  </a:tcPr>
-                </a:tc>
-                <a:extLst>
-                  <a:ext uri="{0D108BD9-81ED-4DB2-BD59-A6C34878D82A}">
-                    <a16:rowId xmlns:a16="http://schemas.microsoft.com/office/drawing/2014/main" val="10001"/>
-                  </a:ext>
-                </a:extLst>
-              </a:tr>
-              <a:tr h="882650">
-                <a:tc>
-                  <a:txBody>
-                    <a:bodyPr/>
-                    <a:lstStyle/>
-                    <a:p>
-                      <a:pPr marL="0" marR="0" lvl="0" indent="0" algn="l" defTabSz="914400" rtl="0" eaLnBrk="1" fontAlgn="base" latinLnBrk="0" hangingPunct="1">
-                        <a:lnSpc>
-                          <a:spcPct val="100000"/>
-                        </a:lnSpc>
-                        <a:spcBef>
-                          <a:spcPct val="20000"/>
-                        </a:spcBef>
-                        <a:spcAft>
-                          <a:spcPct val="0"/>
-                        </a:spcAft>
-                        <a:buClrTx/>
-                        <a:buSzTx/>
-                        <a:buFontTx/>
-                        <a:buNone/>
-                        <a:tabLst/>
-                      </a:pPr>
-                      <a:r>
-                        <a:rPr kumimoji="0" lang="en-US" sz="2400" b="0" i="0" u="none" strike="noStrike" cap="none" normalizeH="0" baseline="0">
-                          <a:ln>
-                            <a:noFill/>
-                          </a:ln>
-                          <a:solidFill>
-                            <a:schemeClr val="tx1"/>
-                          </a:solidFill>
-                          <a:effectLst/>
-                          <a:latin typeface="Arial" charset="0"/>
-                        </a:rPr>
-                        <a:t>Pessimists</a:t>
-                      </a:r>
-                    </a:p>
-                  </a:txBody>
-                  <a:tcPr horzOverflow="overflow">
-                    <a:lnL w="28575" cap="flat" cmpd="sng" algn="ctr">
-                      <a:solidFill>
-                        <a:schemeClr val="tx1"/>
-                      </a:solidFill>
-                      <a:prstDash val="solid"/>
-                      <a:round/>
-                      <a:headEnd type="none" w="med" len="med"/>
-                      <a:tailEnd type="none" w="med" len="med"/>
-                    </a:lnL>
-                    <a:lnR w="12700" cap="flat" cmpd="sng" algn="ctr">
-                      <a:solidFill>
-                        <a:schemeClr val="tx1"/>
-                      </a:solidFill>
-                      <a:prstDash val="solid"/>
-                      <a:round/>
-                      <a:headEnd type="none" w="med" len="med"/>
-                      <a:tailEnd type="none" w="med" len="med"/>
-                    </a:lnR>
-                    <a:lnT w="12700" cap="flat" cmpd="sng" algn="ctr">
-                      <a:solidFill>
-                        <a:schemeClr val="tx1"/>
-                      </a:solidFill>
-                      <a:prstDash val="solid"/>
-                      <a:round/>
-                      <a:headEnd type="none" w="med" len="med"/>
-                      <a:tailEnd type="none" w="med" len="med"/>
-                    </a:lnT>
-                    <a:lnB w="28575" cap="flat" cmpd="sng" algn="ctr">
-                      <a:solidFill>
-                        <a:schemeClr val="tx1"/>
-                      </a:solidFill>
-                      <a:prstDash val="solid"/>
-                      <a:round/>
-                      <a:headEnd type="none" w="med" len="med"/>
-                      <a:tailEnd type="none" w="med" len="med"/>
-                    </a:lnB>
-                    <a:lnTlToBr>
-                      <a:noFill/>
-                    </a:lnTlToBr>
-                    <a:lnBlToTr>
-                      <a:noFill/>
-                    </a:lnBlToTr>
-                    <a:noFill/>
-                  </a:tcPr>
-                </a:tc>
-                <a:tc>
-                  <a:txBody>
-                    <a:bodyPr/>
-                    <a:lstStyle/>
-                    <a:p>
-                      <a:pPr marL="0" marR="0" lvl="0" indent="0" algn="l" defTabSz="914400" rtl="0" eaLnBrk="1" fontAlgn="base" latinLnBrk="0" hangingPunct="1">
-                        <a:lnSpc>
-                          <a:spcPct val="100000"/>
-                        </a:lnSpc>
-                        <a:spcBef>
-                          <a:spcPct val="20000"/>
-                        </a:spcBef>
-                        <a:spcAft>
-                          <a:spcPct val="0"/>
-                        </a:spcAft>
-                        <a:buClrTx/>
-                        <a:buSzTx/>
-                        <a:buFontTx/>
-                        <a:buNone/>
-                        <a:tabLst/>
-                      </a:pPr>
-                      <a:endParaRPr kumimoji="0" lang="en-US" sz="2400" b="0" i="0" u="none" strike="noStrike" cap="none" normalizeH="0" baseline="0">
-                        <a:ln>
-                          <a:noFill/>
-                        </a:ln>
-                        <a:solidFill>
-                          <a:schemeClr val="tx1"/>
-                        </a:solidFill>
-                        <a:effectLst/>
-                        <a:latin typeface="Arial" charset="0"/>
-                      </a:endParaRPr>
-                    </a:p>
-                  </a:txBody>
-                  <a:tcPr horzOverflow="overflow">
-                    <a:lnL w="12700" cap="flat" cmpd="sng" algn="ctr">
-                      <a:solidFill>
-                        <a:schemeClr val="tx1"/>
-                      </a:solidFill>
-                      <a:prstDash val="solid"/>
-                      <a:round/>
-                      <a:headEnd type="none" w="med" len="med"/>
-                      <a:tailEnd type="none" w="med" len="med"/>
-                    </a:lnL>
-                    <a:lnR w="12700" cap="flat" cmpd="sng" algn="ctr">
-                      <a:solidFill>
-                        <a:schemeClr val="tx1"/>
-                      </a:solidFill>
-                      <a:prstDash val="solid"/>
-                      <a:round/>
-                      <a:headEnd type="none" w="med" len="med"/>
-                      <a:tailEnd type="none" w="med" len="med"/>
-                    </a:lnR>
-                    <a:lnT w="12700" cap="flat" cmpd="sng" algn="ctr">
-                      <a:solidFill>
-                        <a:schemeClr val="tx1"/>
-                      </a:solidFill>
-                      <a:prstDash val="solid"/>
-                      <a:round/>
-                      <a:headEnd type="none" w="med" len="med"/>
-                      <a:tailEnd type="none" w="med" len="med"/>
-                    </a:lnT>
-                    <a:lnB w="28575" cap="flat" cmpd="sng" algn="ctr">
-                      <a:solidFill>
-                        <a:schemeClr val="tx1"/>
-                      </a:solidFill>
-                      <a:prstDash val="solid"/>
-                      <a:round/>
-                      <a:headEnd type="none" w="med" len="med"/>
-                      <a:tailEnd type="none" w="med" len="med"/>
-                    </a:lnB>
-                    <a:lnTlToBr>
-                      <a:noFill/>
-                    </a:lnTlToBr>
-                    <a:lnBlToTr>
-                      <a:noFill/>
-                    </a:lnBlToTr>
-                    <a:noFill/>
-                  </a:tcPr>
-                </a:tc>
-                <a:tc>
-                  <a:txBody>
-                    <a:bodyPr/>
-                    <a:lstStyle/>
-                    <a:p>
-                      <a:pPr marL="0" marR="0" lvl="0" indent="0" algn="l" defTabSz="914400" rtl="0" eaLnBrk="1" fontAlgn="base" latinLnBrk="0" hangingPunct="1">
-                        <a:lnSpc>
-                          <a:spcPct val="100000"/>
-                        </a:lnSpc>
-                        <a:spcBef>
-                          <a:spcPct val="20000"/>
-                        </a:spcBef>
-                        <a:spcAft>
-                          <a:spcPct val="0"/>
-                        </a:spcAft>
-                        <a:buClrTx/>
-                        <a:buSzTx/>
-                        <a:buFontTx/>
-                        <a:buNone/>
-                        <a:tabLst/>
-                      </a:pPr>
-                      <a:endParaRPr kumimoji="0" lang="en-US" sz="2400" b="0" i="0" u="none" strike="noStrike" cap="none" normalizeH="0" baseline="0">
-                        <a:ln>
-                          <a:noFill/>
-                        </a:ln>
-                        <a:solidFill>
-                          <a:schemeClr val="tx1"/>
-                        </a:solidFill>
-                        <a:effectLst/>
-                        <a:latin typeface="Arial" charset="0"/>
-                      </a:endParaRPr>
-                    </a:p>
-                  </a:txBody>
-                  <a:tcPr horzOverflow="overflow">
-                    <a:lnL w="12700" cap="flat" cmpd="sng" algn="ctr">
-                      <a:solidFill>
-                        <a:schemeClr val="tx1"/>
-                      </a:solidFill>
-                      <a:prstDash val="solid"/>
-                      <a:round/>
-                      <a:headEnd type="none" w="med" len="med"/>
-                      <a:tailEnd type="none" w="med" len="med"/>
-                    </a:lnL>
-                    <a:lnR w="28575" cap="flat" cmpd="sng" algn="ctr">
-                      <a:solidFill>
-                        <a:schemeClr val="tx1"/>
-                      </a:solidFill>
-                      <a:prstDash val="solid"/>
-                      <a:round/>
-                      <a:headEnd type="none" w="med" len="med"/>
-                      <a:tailEnd type="none" w="med" len="med"/>
-                    </a:lnR>
-                    <a:lnT w="12700" cap="flat" cmpd="sng" algn="ctr">
-                      <a:solidFill>
-                        <a:schemeClr val="tx1"/>
-                      </a:solidFill>
-                      <a:prstDash val="solid"/>
-                      <a:round/>
-                      <a:headEnd type="none" w="med" len="med"/>
-                      <a:tailEnd type="none" w="med" len="med"/>
-                    </a:lnT>
-                    <a:lnB w="28575" cap="flat" cmpd="sng" algn="ctr">
-                      <a:solidFill>
-                        <a:schemeClr val="tx1"/>
-                      </a:solidFill>
-                      <a:prstDash val="solid"/>
-                      <a:round/>
-                      <a:headEnd type="none" w="med" len="med"/>
-                      <a:tailEnd type="none" w="med" len="med"/>
-                    </a:lnB>
-                    <a:lnTlToBr>
-                      <a:noFill/>
-                    </a:lnTlToBr>
-                    <a:lnBlToTr>
-                      <a:noFill/>
-                    </a:lnBlToTr>
-                    <a:noFill/>
-                  </a:tcPr>
-                </a:tc>
-                <a:extLst>
-                  <a:ext uri="{0D108BD9-81ED-4DB2-BD59-A6C34878D82A}">
-                    <a16:rowId xmlns:a16="http://schemas.microsoft.com/office/drawing/2014/main" val="10002"/>
-                  </a:ext>
-                </a:extLst>
-              </a:tr>
-            </a:tbl>
-          </a:graphicData>
-        </a:graphic>
-      </p:graphicFrame>
-      <p:grpSp>
-        <p:nvGrpSpPr>
-          <p:cNvPr id="2" name="Group 20"/>
-          <p:cNvGrpSpPr>
-            <a:grpSpLocks/>
-          </p:cNvGrpSpPr>
-          <p:nvPr/>
-        </p:nvGrpSpPr>
-        <p:grpSpPr bwMode="auto">
-          <a:xfrm>
-            <a:off x="3733801" y="1447800"/>
-            <a:ext cx="1831975" cy="1208088"/>
-            <a:chOff x="1344" y="1031"/>
-            <a:chExt cx="1154" cy="761"/>
-          </a:xfrm>
-        </p:grpSpPr>
-        <p:sp>
-          <p:nvSpPr>
-            <p:cNvPr id="4118" name="Text Box 21"/>
-            <p:cNvSpPr txBox="1">
-              <a:spLocks noChangeArrowheads="1"/>
-            </p:cNvSpPr>
-            <p:nvPr/>
-          </p:nvSpPr>
-          <p:spPr bwMode="auto">
-            <a:xfrm>
-              <a:off x="1344" y="1031"/>
-              <a:ext cx="300" cy="233"/>
-            </a:xfrm>
-            <a:prstGeom prst="rect">
-              <a:avLst/>
-            </a:prstGeom>
-            <a:noFill/>
-            <a:ln w="9525">
-              <a:noFill/>
-              <a:miter lim="800000"/>
-              <a:headEnd/>
-              <a:tailEnd/>
-            </a:ln>
-          </p:spPr>
-          <p:txBody>
-            <a:bodyPr wrap="none">
-              <a:spAutoFit/>
-            </a:bodyPr>
-            <a:lstStyle/>
-            <a:p>
-              <a:r>
-                <a:rPr lang="en-US"/>
-                <a:t>6.5</a:t>
-              </a:r>
-            </a:p>
-          </p:txBody>
-        </p:sp>
-        <p:sp>
-          <p:nvSpPr>
-            <p:cNvPr id="4119" name="Text Box 22"/>
-            <p:cNvSpPr txBox="1">
-              <a:spLocks noChangeArrowheads="1"/>
-            </p:cNvSpPr>
-            <p:nvPr/>
-          </p:nvSpPr>
-          <p:spPr bwMode="auto">
-            <a:xfrm>
-              <a:off x="2198" y="1031"/>
-              <a:ext cx="300" cy="233"/>
-            </a:xfrm>
-            <a:prstGeom prst="rect">
-              <a:avLst/>
-            </a:prstGeom>
-            <a:noFill/>
-            <a:ln w="9525">
-              <a:noFill/>
-              <a:miter lim="800000"/>
-              <a:headEnd/>
-              <a:tailEnd/>
-            </a:ln>
-          </p:spPr>
-          <p:txBody>
-            <a:bodyPr wrap="none">
-              <a:spAutoFit/>
-            </a:bodyPr>
-            <a:lstStyle/>
-            <a:p>
-              <a:r>
-                <a:rPr lang="en-US"/>
-                <a:t>9.7</a:t>
-              </a:r>
-            </a:p>
-          </p:txBody>
-        </p:sp>
-        <p:sp>
-          <p:nvSpPr>
-            <p:cNvPr id="4120" name="Text Box 23"/>
-            <p:cNvSpPr txBox="1">
-              <a:spLocks noChangeArrowheads="1"/>
-            </p:cNvSpPr>
-            <p:nvPr/>
-          </p:nvSpPr>
-          <p:spPr bwMode="auto">
-            <a:xfrm>
-              <a:off x="1344" y="1559"/>
-              <a:ext cx="300" cy="233"/>
-            </a:xfrm>
-            <a:prstGeom prst="rect">
-              <a:avLst/>
-            </a:prstGeom>
-            <a:noFill/>
-            <a:ln w="9525">
-              <a:noFill/>
-              <a:miter lim="800000"/>
-              <a:headEnd/>
-              <a:tailEnd/>
-            </a:ln>
-          </p:spPr>
-          <p:txBody>
-            <a:bodyPr wrap="none">
-              <a:spAutoFit/>
-            </a:bodyPr>
-            <a:lstStyle/>
-            <a:p>
-              <a:r>
-                <a:rPr lang="en-US"/>
-                <a:t>6.5</a:t>
-              </a:r>
-            </a:p>
-          </p:txBody>
-        </p:sp>
-        <p:sp>
-          <p:nvSpPr>
-            <p:cNvPr id="4121" name="Text Box 24"/>
-            <p:cNvSpPr txBox="1">
-              <a:spLocks noChangeArrowheads="1"/>
-            </p:cNvSpPr>
-            <p:nvPr/>
-          </p:nvSpPr>
-          <p:spPr bwMode="auto">
-            <a:xfrm>
-              <a:off x="2198" y="1559"/>
-              <a:ext cx="300" cy="233"/>
-            </a:xfrm>
-            <a:prstGeom prst="rect">
-              <a:avLst/>
-            </a:prstGeom>
-            <a:noFill/>
-            <a:ln w="9525">
-              <a:noFill/>
-              <a:miter lim="800000"/>
-              <a:headEnd/>
-              <a:tailEnd/>
-            </a:ln>
-          </p:spPr>
-          <p:txBody>
-            <a:bodyPr wrap="none">
-              <a:spAutoFit/>
-            </a:bodyPr>
-            <a:lstStyle/>
-            <a:p>
-              <a:r>
-                <a:rPr lang="en-US"/>
-                <a:t>8.2</a:t>
-              </a:r>
-            </a:p>
-          </p:txBody>
-        </p:sp>
-      </p:grpSp>
-      <p:graphicFrame>
-        <p:nvGraphicFramePr>
-          <p:cNvPr id="49177" name="Object 25"/>
-          <p:cNvGraphicFramePr>
-            <a:graphicFrameLocks noChangeAspect="1"/>
-          </p:cNvGraphicFramePr>
-          <p:nvPr/>
-        </p:nvGraphicFramePr>
-        <p:xfrm>
-          <a:off x="5562600" y="3201989"/>
-          <a:ext cx="5105400" cy="3379787"/>
-        </p:xfrm>
-        <a:graphic>
-          <a:graphicData uri="http://schemas.openxmlformats.org/presentationml/2006/ole">
-            <mc:AlternateContent xmlns:mc="http://schemas.openxmlformats.org/markup-compatibility/2006">
-              <mc:Choice xmlns:v="urn:schemas-microsoft-com:vml" Requires="v">
-                <p:oleObj name="Chart" r:id="rId3" imgW="4419600" imgH="2924231" progId="MSGraph.Chart.8">
-                  <p:embed followColorScheme="full"/>
-                </p:oleObj>
-              </mc:Choice>
-              <mc:Fallback>
-                <p:oleObj name="Chart" r:id="rId3" imgW="4419600" imgH="2924231" progId="MSGraph.Chart.8">
-                  <p:embed followColorScheme="full"/>
-                  <p:pic>
-                    <p:nvPicPr>
-                      <p:cNvPr id="49177" name="Object 25"/>
-                      <p:cNvPicPr>
-                        <a:picLocks noChangeAspect="1" noChangeArrowheads="1"/>
-                      </p:cNvPicPr>
-                      <p:nvPr/>
-                    </p:nvPicPr>
-                    <p:blipFill>
-                      <a:blip r:embed="rId4"/>
-                      <a:srcRect/>
-                      <a:stretch>
-                        <a:fillRect/>
-                      </a:stretch>
-                    </p:blipFill>
-                    <p:spPr bwMode="auto">
-                      <a:xfrm>
-                        <a:off x="5562600" y="3201989"/>
-                        <a:ext cx="5105400" cy="3379787"/>
-                      </a:xfrm>
-                      <a:prstGeom prst="rect">
-                        <a:avLst/>
-                      </a:prstGeom>
-                      <a:noFill/>
-                      <a:extLst>
-                        <a:ext uri="{909E8E84-426E-40DD-AFC4-6F175D3DCCD1}">
-                          <a14:hiddenFill xmlns:a14="http://schemas.microsoft.com/office/drawing/2010/main">
-                            <a:solidFill>
-                              <a:srgbClr val="FFFFFF"/>
-                            </a:solidFill>
-                          </a14:hiddenFill>
-                        </a:ext>
-                      </a:extLst>
-                    </p:spPr>
-                  </p:pic>
-                </p:oleObj>
-              </mc:Fallback>
-            </mc:AlternateContent>
-          </a:graphicData>
-        </a:graphic>
-      </p:graphicFrame>
-    </p:spTree>
-    <p:extLst>
-      <p:ext uri="{BB962C8B-B14F-4D97-AF65-F5344CB8AC3E}">
-        <p14:creationId xmlns:p14="http://schemas.microsoft.com/office/powerpoint/2010/main" val="2680412434"/>
-      </p:ext>
-    </p:extLst>
-  </p:cSld>
-  <p:clrMapOvr>
-    <a:masterClrMapping/>
-  </p:clrMapOvr>
-  <p:timing>
-    <p:tnLst>
-      <p:par>
-        <p:cTn id="1" dur="indefinite" restart="never" nodeType="tmRoot">
-          <p:childTnLst>
-            <p:seq concurrent="1" nextAc="seek">
-              <p:cTn id="2" dur="indefinite" nodeType="mainSeq">
-                <p:childTnLst>
-                  <p:par>
-                    <p:cTn id="3" fill="hold">
-                      <p:stCondLst>
-                        <p:cond delay="indefinite"/>
-                      </p:stCondLst>
-                      <p:childTnLst>
-                        <p:par>
-                          <p:cTn id="4" fill="hold">
-                            <p:stCondLst>
-                              <p:cond delay="0"/>
-                            </p:stCondLst>
-                            <p:childTnLst>
-                              <p:par>
-                                <p:cTn id="5" presetID="1" presetClass="entr" presetSubtype="0" fill="hold" nodeType="clickEffect">
-                                  <p:stCondLst>
-                                    <p:cond delay="0"/>
-                                  </p:stCondLst>
-                                  <p:childTnLst>
-                                    <p:set>
-                                      <p:cBhvr>
-                                        <p:cTn id="6" dur="1" fill="hold">
-                                          <p:stCondLst>
-                                            <p:cond delay="0"/>
-                                          </p:stCondLst>
-                                        </p:cTn>
-                                        <p:tgtEl>
-                                          <p:spTgt spid="2"/>
-                                        </p:tgtEl>
-                                        <p:attrNameLst>
-                                          <p:attrName>style.visibility</p:attrName>
-                                        </p:attrNameLst>
-                                      </p:cBhvr>
-                                      <p:to>
-                                        <p:strVal val="visible"/>
-                                      </p:to>
-                                    </p:set>
-                                  </p:childTnLst>
-                                </p:cTn>
-                              </p:par>
-                            </p:childTnLst>
-                          </p:cTn>
-                        </p:par>
-                      </p:childTnLst>
-                    </p:cTn>
-                  </p:par>
-                  <p:par>
-                    <p:cTn id="7" fill="hold">
-                      <p:stCondLst>
-                        <p:cond delay="indefinite"/>
-                      </p:stCondLst>
-                      <p:childTnLst>
-                        <p:par>
-                          <p:cTn id="8" fill="hold">
-                            <p:stCondLst>
-                              <p:cond delay="0"/>
-                            </p:stCondLst>
-                            <p:childTnLst>
-                              <p:par>
-                                <p:cTn id="9" presetID="1" presetClass="entr" presetSubtype="0" fill="hold" grpId="0" nodeType="clickEffect">
-                                  <p:stCondLst>
-                                    <p:cond delay="0"/>
-                                  </p:stCondLst>
-                                  <p:childTnLst>
-                                    <p:set>
-                                      <p:cBhvr>
-                                        <p:cTn id="10" dur="1" fill="hold">
-                                          <p:stCondLst>
-                                            <p:cond delay="0"/>
-                                          </p:stCondLst>
-                                        </p:cTn>
-                                        <p:tgtEl>
-                                          <p:spTgt spid="49177"/>
-                                        </p:tgtEl>
-                                        <p:attrNameLst>
-                                          <p:attrName>style.visibility</p:attrName>
-                                        </p:attrNameLst>
-                                      </p:cBhvr>
-                                      <p:to>
-                                        <p:strVal val="visible"/>
-                                      </p:to>
-                                    </p:set>
-                                  </p:childTnLst>
-                                </p:cTn>
-                              </p:par>
-                            </p:childTnLst>
-                          </p:cTn>
-                        </p:par>
-                      </p:childTnLst>
-                    </p:cTn>
-                  </p:par>
-                </p:childTnLst>
-              </p:cTn>
-              <p:prevCondLst>
-                <p:cond evt="onPrev" delay="0">
-                  <p:tgtEl>
-                    <p:sldTgt/>
-                  </p:tgtEl>
-                </p:cond>
-              </p:prevCondLst>
-              <p:nextCondLst>
-                <p:cond evt="onNext" delay="0">
-                  <p:tgtEl>
-                    <p:sldTgt/>
-                  </p:tgtEl>
-                </p:cond>
-              </p:nextCondLst>
-            </p:seq>
-          </p:childTnLst>
-        </p:cTn>
-      </p:par>
-    </p:tnLst>
-    <p:bldLst>
-      <p:bldOleChart spid="49177" grpId="0"/>
-    </p:bldLst>
-  </p:timing>
-</p:sld>
-</file>
-
-<file path=ppt/slides/slide24.xml><?xml version="1.0" encoding="utf-8"?>
-<p:sld xmlns:a="http://schemas.openxmlformats.org/drawingml/2006/main" xmlns:r="http://schemas.openxmlformats.org/officeDocument/2006/relationships" xmlns:p="http://schemas.openxmlformats.org/presentationml/2006/main">
-  <p:cSld>
-    <p:spTree>
-      <p:nvGrpSpPr>
-        <p:cNvPr id="1" name=""/>
-        <p:cNvGrpSpPr/>
-        <p:nvPr/>
-      </p:nvGrpSpPr>
-      <p:grpSpPr>
-        <a:xfrm>
-          <a:off x="0" y="0"/>
-          <a:ext cx="0" cy="0"/>
-          <a:chOff x="0" y="0"/>
-          <a:chExt cx="0" cy="0"/>
-        </a:xfrm>
-      </p:grpSpPr>
-      <p:sp>
-        <p:nvSpPr>
           <p:cNvPr id="2" name="Title 1">
             <a:extLst>
               <a:ext uri="{FF2B5EF4-FFF2-40B4-BE49-F238E27FC236}">
